--- a/第一期：能落地的前端团队管理经验.pptx
+++ b/第一期：能落地的前端团队管理经验.pptx
@@ -5,7 +5,7 @@
     <p:sldMasterId id="2147483648" r:id="rId1"/>
   </p:sldMasterIdLst>
   <p:notesMasterIdLst>
-    <p:notesMasterId r:id="rId18"/>
+    <p:notesMasterId r:id="rId19"/>
   </p:notesMasterIdLst>
   <p:sldIdLst>
     <p:sldId id="258" r:id="rId3"/>
@@ -14,15 +14,16 @@
     <p:sldId id="274" r:id="rId6"/>
     <p:sldId id="289" r:id="rId7"/>
     <p:sldId id="290" r:id="rId8"/>
-    <p:sldId id="291" r:id="rId9"/>
-    <p:sldId id="292" r:id="rId10"/>
-    <p:sldId id="293" r:id="rId11"/>
-    <p:sldId id="294" r:id="rId12"/>
-    <p:sldId id="295" r:id="rId13"/>
-    <p:sldId id="296" r:id="rId14"/>
-    <p:sldId id="297" r:id="rId15"/>
-    <p:sldId id="300" r:id="rId16"/>
-    <p:sldId id="301" r:id="rId17"/>
+    <p:sldId id="315" r:id="rId9"/>
+    <p:sldId id="291" r:id="rId10"/>
+    <p:sldId id="292" r:id="rId11"/>
+    <p:sldId id="293" r:id="rId12"/>
+    <p:sldId id="294" r:id="rId13"/>
+    <p:sldId id="295" r:id="rId14"/>
+    <p:sldId id="296" r:id="rId15"/>
+    <p:sldId id="297" r:id="rId16"/>
+    <p:sldId id="300" r:id="rId17"/>
+    <p:sldId id="301" r:id="rId18"/>
   </p:sldIdLst>
   <p:sldSz cx="12192000" cy="6858000"/>
   <p:notesSz cx="6858000" cy="9144000"/>
@@ -1891,6 +1892,374 @@
         <p:spPr>
           <a:xfrm>
             <a:off x="1344023" y="400723"/>
+            <a:ext cx="1198880" cy="398780"/>
+          </a:xfrm>
+          <a:prstGeom prst="rect">
+            <a:avLst/>
+          </a:prstGeom>
+        </p:spPr>
+        <p:txBody>
+          <a:bodyPr wrap="none">
+            <a:spAutoFit/>
+          </a:bodyPr>
+          <a:lstStyle/>
+          <a:p>
+            <a:r>
+              <a:rPr lang="zh-CN" altLang="en-US" sz="2000" b="1" dirty="0">
+                <a:solidFill>
+                  <a:schemeClr val="tx1">
+                    <a:lumMod val="75000"/>
+                    <a:lumOff val="25000"/>
+                  </a:schemeClr>
+                </a:solidFill>
+              </a:rPr>
+              <a:t>组员培养</a:t>
+            </a:r>
+            <a:endParaRPr lang="zh-CN" altLang="en-US" sz="2000" b="1" dirty="0">
+              <a:solidFill>
+                <a:schemeClr val="tx1">
+                  <a:lumMod val="75000"/>
+                  <a:lumOff val="25000"/>
+                </a:schemeClr>
+              </a:solidFill>
+            </a:endParaRPr>
+          </a:p>
+        </p:txBody>
+      </p:sp>
+      <p:sp>
+        <p:nvSpPr>
+          <p:cNvPr id="21" name="矩形 20"/>
+          <p:cNvSpPr/>
+          <p:nvPr/>
+        </p:nvSpPr>
+        <p:spPr>
+          <a:xfrm>
+            <a:off x="1344023" y="799251"/>
+            <a:ext cx="1719580" cy="260350"/>
+          </a:xfrm>
+          <a:prstGeom prst="rect">
+            <a:avLst/>
+          </a:prstGeom>
+        </p:spPr>
+        <p:txBody>
+          <a:bodyPr wrap="none">
+            <a:spAutoFit/>
+          </a:bodyPr>
+          <a:lstStyle/>
+          <a:p>
+            <a:pPr algn="l"/>
+            <a:r>
+              <a:rPr lang="zh-CN" altLang="en-US" sz="1100" dirty="0">
+                <a:solidFill>
+                  <a:schemeClr val="bg1">
+                    <a:lumMod val="50000"/>
+                  </a:schemeClr>
+                </a:solidFill>
+              </a:rPr>
+              <a:t>可落地的团队管理方法论</a:t>
+            </a:r>
+            <a:endParaRPr lang="zh-CN" altLang="en-US" sz="1100" dirty="0">
+              <a:solidFill>
+                <a:schemeClr val="bg1">
+                  <a:lumMod val="50000"/>
+                </a:schemeClr>
+              </a:solidFill>
+            </a:endParaRPr>
+          </a:p>
+        </p:txBody>
+      </p:sp>
+      <p:sp>
+        <p:nvSpPr>
+          <p:cNvPr id="2" name="文本框 1"/>
+          <p:cNvSpPr txBox="1"/>
+          <p:nvPr/>
+        </p:nvSpPr>
+        <p:spPr>
+          <a:xfrm>
+            <a:off x="2016760" y="1843405"/>
+            <a:ext cx="3669030" cy="506730"/>
+          </a:xfrm>
+          <a:prstGeom prst="rect">
+            <a:avLst/>
+          </a:prstGeom>
+          <a:noFill/>
+        </p:spPr>
+        <p:txBody>
+          <a:bodyPr wrap="none" rtlCol="0" anchor="t">
+            <a:spAutoFit/>
+          </a:bodyPr>
+          <a:p>
+            <a:pPr marL="285750" indent="-285750" fontAlgn="auto">
+              <a:lnSpc>
+                <a:spcPct val="150000"/>
+              </a:lnSpc>
+              <a:buClr>
+                <a:srgbClr val="48A2A0"/>
+              </a:buClr>
+              <a:buFont typeface="Wingdings" panose="05000000000000000000" pitchFamily="2" charset="2"/>
+              <a:buChar char="l"/>
+            </a:pPr>
+            <a:r>
+              <a:rPr lang="zh-CN" dirty="0" smtClean="0">
+                <a:solidFill>
+                  <a:srgbClr val="4D402B"/>
+                </a:solidFill>
+                <a:sym typeface="+mn-ea"/>
+              </a:rPr>
+              <a:t>初级：工作内指导、工作外引导</a:t>
+            </a:r>
+            <a:endParaRPr lang="zh-CN" altLang="en-US"/>
+          </a:p>
+        </p:txBody>
+      </p:sp>
+      <p:sp>
+        <p:nvSpPr>
+          <p:cNvPr id="4" name="文本框 3"/>
+          <p:cNvSpPr txBox="1"/>
+          <p:nvPr/>
+        </p:nvSpPr>
+        <p:spPr>
+          <a:xfrm>
+            <a:off x="2016760" y="2839720"/>
+            <a:ext cx="4583430" cy="506730"/>
+          </a:xfrm>
+          <a:prstGeom prst="rect">
+            <a:avLst/>
+          </a:prstGeom>
+          <a:noFill/>
+        </p:spPr>
+        <p:txBody>
+          <a:bodyPr wrap="none" rtlCol="0" anchor="t">
+            <a:spAutoFit/>
+          </a:bodyPr>
+          <a:p>
+            <a:pPr marL="285750" indent="-285750" fontAlgn="auto">
+              <a:lnSpc>
+                <a:spcPct val="150000"/>
+              </a:lnSpc>
+              <a:buClr>
+                <a:srgbClr val="48A2A0"/>
+              </a:buClr>
+              <a:buFont typeface="Wingdings" panose="05000000000000000000" pitchFamily="2" charset="2"/>
+              <a:buChar char="l"/>
+            </a:pPr>
+            <a:r>
+              <a:rPr lang="zh-CN" dirty="0" smtClean="0">
+                <a:solidFill>
+                  <a:srgbClr val="4D402B"/>
+                </a:solidFill>
+                <a:sym typeface="+mn-ea"/>
+              </a:rPr>
+              <a:t>中级：引导技术深入、培养项目管理能力</a:t>
+            </a:r>
+            <a:endParaRPr lang="zh-CN" altLang="en-US"/>
+          </a:p>
+        </p:txBody>
+      </p:sp>
+      <p:sp>
+        <p:nvSpPr>
+          <p:cNvPr id="5" name="文本框 4"/>
+          <p:cNvSpPr txBox="1"/>
+          <p:nvPr/>
+        </p:nvSpPr>
+        <p:spPr>
+          <a:xfrm>
+            <a:off x="2016760" y="3829050"/>
+            <a:ext cx="6164580" cy="506730"/>
+          </a:xfrm>
+          <a:prstGeom prst="rect">
+            <a:avLst/>
+          </a:prstGeom>
+          <a:noFill/>
+        </p:spPr>
+        <p:txBody>
+          <a:bodyPr wrap="none" rtlCol="0" anchor="t">
+            <a:spAutoFit/>
+          </a:bodyPr>
+          <a:p>
+            <a:pPr marL="285750" indent="-285750" fontAlgn="auto">
+              <a:lnSpc>
+                <a:spcPct val="150000"/>
+              </a:lnSpc>
+              <a:buClr>
+                <a:srgbClr val="48A2A0"/>
+              </a:buClr>
+              <a:buFont typeface="Wingdings" panose="05000000000000000000" pitchFamily="2" charset="2"/>
+              <a:buChar char="l"/>
+            </a:pPr>
+            <a:r>
+              <a:rPr lang="zh-CN" dirty="0" smtClean="0">
+                <a:solidFill>
+                  <a:srgbClr val="4D402B"/>
+                </a:solidFill>
+                <a:sym typeface="+mn-ea"/>
+              </a:rPr>
+              <a:t>高级：技术搭配、指导人员管理经验，达到</a:t>
+            </a:r>
+            <a:r>
+              <a:rPr lang="en-US" altLang="zh-CN" dirty="0" smtClean="0">
+                <a:solidFill>
+                  <a:srgbClr val="4D402B"/>
+                </a:solidFill>
+                <a:sym typeface="+mn-ea"/>
+              </a:rPr>
+              <a:t>1+1&gt;2</a:t>
+            </a:r>
+            <a:r>
+              <a:rPr lang="zh-CN" altLang="en-US" dirty="0" smtClean="0">
+                <a:solidFill>
+                  <a:srgbClr val="4D402B"/>
+                </a:solidFill>
+                <a:sym typeface="+mn-ea"/>
+              </a:rPr>
+              <a:t>的效果</a:t>
+            </a:r>
+            <a:endParaRPr lang="zh-CN" altLang="en-US" dirty="0" smtClean="0">
+              <a:solidFill>
+                <a:srgbClr val="4D402B"/>
+              </a:solidFill>
+              <a:sym typeface="+mn-ea"/>
+            </a:endParaRPr>
+          </a:p>
+        </p:txBody>
+      </p:sp>
+    </p:spTree>
+  </p:cSld>
+  <p:clrMapOvr>
+    <a:masterClrMapping/>
+  </p:clrMapOvr>
+  <p:timing>
+    <p:tnLst>
+      <p:par>
+        <p:cTn id="1" dur="indefinite" restart="never" nodeType="tmRoot"/>
+      </p:par>
+    </p:tnLst>
+  </p:timing>
+</p:sld>
+</file>
+
+<file path=ppt/slides/slide11.xml><?xml version="1.0" encoding="utf-8"?>
+<p:sld xmlns:a="http://schemas.openxmlformats.org/drawingml/2006/main" xmlns:r="http://schemas.openxmlformats.org/officeDocument/2006/relationships" xmlns:p="http://schemas.openxmlformats.org/presentationml/2006/main">
+  <p:cSld>
+    <p:spTree>
+      <p:nvGrpSpPr>
+        <p:cNvPr id="1" name=""/>
+        <p:cNvGrpSpPr/>
+        <p:nvPr/>
+      </p:nvGrpSpPr>
+      <p:grpSpPr>
+        <a:xfrm>
+          <a:off x="0" y="0"/>
+          <a:ext cx="0" cy="0"/>
+          <a:chOff x="0" y="0"/>
+          <a:chExt cx="0" cy="0"/>
+        </a:xfrm>
+      </p:grpSpPr>
+      <p:sp>
+        <p:nvSpPr>
+          <p:cNvPr id="17" name="椭圆 16"/>
+          <p:cNvSpPr/>
+          <p:nvPr/>
+        </p:nvSpPr>
+        <p:spPr>
+          <a:xfrm>
+            <a:off x="-1226820" y="-1346917"/>
+            <a:ext cx="2453640" cy="2453640"/>
+          </a:xfrm>
+          <a:prstGeom prst="ellipse">
+            <a:avLst/>
+          </a:prstGeom>
+          <a:solidFill>
+            <a:srgbClr val="48A2A0">
+              <a:alpha val="70000"/>
+            </a:srgbClr>
+          </a:solidFill>
+          <a:ln>
+            <a:noFill/>
+          </a:ln>
+        </p:spPr>
+        <p:style>
+          <a:lnRef idx="2">
+            <a:schemeClr val="accent1">
+              <a:shade val="50000"/>
+            </a:schemeClr>
+          </a:lnRef>
+          <a:fillRef idx="1">
+            <a:schemeClr val="accent1"/>
+          </a:fillRef>
+          <a:effectRef idx="0">
+            <a:schemeClr val="accent1"/>
+          </a:effectRef>
+          <a:fontRef idx="minor">
+            <a:schemeClr val="lt1"/>
+          </a:fontRef>
+        </p:style>
+        <p:txBody>
+          <a:bodyPr rtlCol="0" anchor="ctr"/>
+          <a:lstStyle/>
+          <a:p>
+            <a:pPr algn="ctr"/>
+            <a:endParaRPr lang="zh-CN" altLang="en-US"/>
+          </a:p>
+        </p:txBody>
+      </p:sp>
+      <p:sp>
+        <p:nvSpPr>
+          <p:cNvPr id="18" name="椭圆 17"/>
+          <p:cNvSpPr/>
+          <p:nvPr/>
+        </p:nvSpPr>
+        <p:spPr>
+          <a:xfrm>
+            <a:off x="434235" y="314138"/>
+            <a:ext cx="792585" cy="792585"/>
+          </a:xfrm>
+          <a:prstGeom prst="ellipse">
+            <a:avLst/>
+          </a:prstGeom>
+          <a:solidFill>
+            <a:srgbClr val="6C92C0">
+              <a:alpha val="70000"/>
+            </a:srgbClr>
+          </a:solidFill>
+          <a:ln>
+            <a:noFill/>
+          </a:ln>
+        </p:spPr>
+        <p:style>
+          <a:lnRef idx="2">
+            <a:schemeClr val="accent1">
+              <a:shade val="50000"/>
+            </a:schemeClr>
+          </a:lnRef>
+          <a:fillRef idx="1">
+            <a:schemeClr val="accent1"/>
+          </a:fillRef>
+          <a:effectRef idx="0">
+            <a:schemeClr val="accent1"/>
+          </a:effectRef>
+          <a:fontRef idx="minor">
+            <a:schemeClr val="lt1"/>
+          </a:fontRef>
+        </p:style>
+        <p:txBody>
+          <a:bodyPr rtlCol="0" anchor="ctr"/>
+          <a:lstStyle/>
+          <a:p>
+            <a:pPr algn="ctr"/>
+            <a:endParaRPr lang="zh-CN" altLang="en-US"/>
+          </a:p>
+        </p:txBody>
+      </p:sp>
+      <p:sp>
+        <p:nvSpPr>
+          <p:cNvPr id="20" name="矩形 19"/>
+          <p:cNvSpPr/>
+          <p:nvPr/>
+        </p:nvSpPr>
+        <p:spPr>
+          <a:xfrm>
+            <a:off x="1344023" y="400723"/>
             <a:ext cx="1960880" cy="398780"/>
           </a:xfrm>
           <a:prstGeom prst="rect">
@@ -2956,615 +3325,6 @@
 </p:sld>
 </file>
 
-<file path=ppt/slides/slide11.xml><?xml version="1.0" encoding="utf-8"?>
-<p:sld xmlns:a="http://schemas.openxmlformats.org/drawingml/2006/main" xmlns:r="http://schemas.openxmlformats.org/officeDocument/2006/relationships" xmlns:p="http://schemas.openxmlformats.org/presentationml/2006/main">
-  <p:cSld>
-    <p:spTree>
-      <p:nvGrpSpPr>
-        <p:cNvPr id="1" name=""/>
-        <p:cNvGrpSpPr/>
-        <p:nvPr/>
-      </p:nvGrpSpPr>
-      <p:grpSpPr>
-        <a:xfrm>
-          <a:off x="0" y="0"/>
-          <a:ext cx="0" cy="0"/>
-          <a:chOff x="0" y="0"/>
-          <a:chExt cx="0" cy="0"/>
-        </a:xfrm>
-      </p:grpSpPr>
-      <p:sp>
-        <p:nvSpPr>
-          <p:cNvPr id="3" name="矩形 2"/>
-          <p:cNvSpPr/>
-          <p:nvPr/>
-        </p:nvSpPr>
-        <p:spPr>
-          <a:xfrm>
-            <a:off x="811530" y="1966595"/>
-            <a:ext cx="5067935" cy="1343660"/>
-          </a:xfrm>
-          <a:prstGeom prst="rect">
-            <a:avLst/>
-          </a:prstGeom>
-          <a:solidFill>
-            <a:srgbClr val="48A2A0">
-              <a:alpha val="70000"/>
-            </a:srgbClr>
-          </a:solidFill>
-          <a:ln>
-            <a:noFill/>
-          </a:ln>
-        </p:spPr>
-        <p:style>
-          <a:lnRef idx="2">
-            <a:schemeClr val="accent1">
-              <a:shade val="50000"/>
-            </a:schemeClr>
-          </a:lnRef>
-          <a:fillRef idx="1">
-            <a:schemeClr val="accent1"/>
-          </a:fillRef>
-          <a:effectRef idx="0">
-            <a:schemeClr val="accent1"/>
-          </a:effectRef>
-          <a:fontRef idx="minor">
-            <a:schemeClr val="lt1"/>
-          </a:fontRef>
-        </p:style>
-        <p:txBody>
-          <a:bodyPr rtlCol="0" anchor="ctr"/>
-          <a:lstStyle/>
-          <a:p>
-            <a:pPr algn="ctr"/>
-            <a:endParaRPr lang="zh-CN" altLang="en-US">
-              <a:solidFill>
-                <a:schemeClr val="bg1"/>
-              </a:solidFill>
-            </a:endParaRPr>
-          </a:p>
-        </p:txBody>
-      </p:sp>
-      <p:sp>
-        <p:nvSpPr>
-          <p:cNvPr id="4" name="矩形 3"/>
-          <p:cNvSpPr/>
-          <p:nvPr/>
-        </p:nvSpPr>
-        <p:spPr>
-          <a:xfrm>
-            <a:off x="811530" y="3620135"/>
-            <a:ext cx="5067935" cy="1315720"/>
-          </a:xfrm>
-          <a:prstGeom prst="rect">
-            <a:avLst/>
-          </a:prstGeom>
-          <a:solidFill>
-            <a:srgbClr val="6C92C0">
-              <a:alpha val="70000"/>
-            </a:srgbClr>
-          </a:solidFill>
-          <a:ln>
-            <a:noFill/>
-          </a:ln>
-        </p:spPr>
-        <p:style>
-          <a:lnRef idx="2">
-            <a:schemeClr val="accent1">
-              <a:shade val="50000"/>
-            </a:schemeClr>
-          </a:lnRef>
-          <a:fillRef idx="1">
-            <a:schemeClr val="accent1"/>
-          </a:fillRef>
-          <a:effectRef idx="0">
-            <a:schemeClr val="accent1"/>
-          </a:effectRef>
-          <a:fontRef idx="minor">
-            <a:schemeClr val="lt1"/>
-          </a:fontRef>
-        </p:style>
-        <p:txBody>
-          <a:bodyPr rtlCol="0" anchor="ctr"/>
-          <a:lstStyle/>
-          <a:p>
-            <a:pPr algn="ctr"/>
-            <a:endParaRPr lang="zh-CN" altLang="en-US">
-              <a:solidFill>
-                <a:schemeClr val="bg1"/>
-              </a:solidFill>
-            </a:endParaRPr>
-          </a:p>
-        </p:txBody>
-      </p:sp>
-      <p:sp>
-        <p:nvSpPr>
-          <p:cNvPr id="7" name="矩形 6"/>
-          <p:cNvSpPr/>
-          <p:nvPr/>
-        </p:nvSpPr>
-        <p:spPr>
-          <a:xfrm>
-            <a:off x="6304280" y="3620135"/>
-            <a:ext cx="5067935" cy="1315085"/>
-          </a:xfrm>
-          <a:prstGeom prst="rect">
-            <a:avLst/>
-          </a:prstGeom>
-          <a:solidFill>
-            <a:srgbClr val="48A2A0">
-              <a:alpha val="70000"/>
-            </a:srgbClr>
-          </a:solidFill>
-          <a:ln>
-            <a:noFill/>
-          </a:ln>
-        </p:spPr>
-        <p:style>
-          <a:lnRef idx="2">
-            <a:schemeClr val="accent1">
-              <a:shade val="50000"/>
-            </a:schemeClr>
-          </a:lnRef>
-          <a:fillRef idx="1">
-            <a:schemeClr val="accent1"/>
-          </a:fillRef>
-          <a:effectRef idx="0">
-            <a:schemeClr val="accent1"/>
-          </a:effectRef>
-          <a:fontRef idx="minor">
-            <a:schemeClr val="lt1"/>
-          </a:fontRef>
-        </p:style>
-        <p:txBody>
-          <a:bodyPr rtlCol="0" anchor="ctr"/>
-          <a:lstStyle/>
-          <a:p>
-            <a:pPr algn="ctr"/>
-            <a:endParaRPr lang="zh-CN" altLang="en-US"/>
-          </a:p>
-        </p:txBody>
-      </p:sp>
-      <p:sp>
-        <p:nvSpPr>
-          <p:cNvPr id="8" name="矩形 7"/>
-          <p:cNvSpPr/>
-          <p:nvPr/>
-        </p:nvSpPr>
-        <p:spPr>
-          <a:xfrm>
-            <a:off x="6304280" y="1966595"/>
-            <a:ext cx="5067935" cy="1343660"/>
-          </a:xfrm>
-          <a:prstGeom prst="rect">
-            <a:avLst/>
-          </a:prstGeom>
-          <a:solidFill>
-            <a:srgbClr val="6C92C0">
-              <a:alpha val="70000"/>
-            </a:srgbClr>
-          </a:solidFill>
-          <a:ln>
-            <a:noFill/>
-          </a:ln>
-        </p:spPr>
-        <p:style>
-          <a:lnRef idx="2">
-            <a:schemeClr val="accent1">
-              <a:shade val="50000"/>
-            </a:schemeClr>
-          </a:lnRef>
-          <a:fillRef idx="1">
-            <a:schemeClr val="accent1"/>
-          </a:fillRef>
-          <a:effectRef idx="0">
-            <a:schemeClr val="accent1"/>
-          </a:effectRef>
-          <a:fontRef idx="minor">
-            <a:schemeClr val="lt1"/>
-          </a:fontRef>
-        </p:style>
-        <p:txBody>
-          <a:bodyPr rtlCol="0" anchor="ctr"/>
-          <a:lstStyle/>
-          <a:p>
-            <a:pPr algn="ctr"/>
-            <a:endParaRPr lang="zh-CN" altLang="en-US"/>
-          </a:p>
-        </p:txBody>
-      </p:sp>
-      <p:sp>
-        <p:nvSpPr>
-          <p:cNvPr id="10" name="矩形 9"/>
-          <p:cNvSpPr/>
-          <p:nvPr/>
-        </p:nvSpPr>
-        <p:spPr>
-          <a:xfrm>
-            <a:off x="2229741" y="2438876"/>
-            <a:ext cx="2232660" cy="398780"/>
-          </a:xfrm>
-          <a:prstGeom prst="rect">
-            <a:avLst/>
-          </a:prstGeom>
-        </p:spPr>
-        <p:txBody>
-          <a:bodyPr wrap="none">
-            <a:spAutoFit/>
-          </a:bodyPr>
-          <a:lstStyle/>
-          <a:p>
-            <a:r>
-              <a:rPr lang="en-US" altLang="zh-CN" sz="2000" b="1" dirty="0">
-                <a:solidFill>
-                  <a:schemeClr val="bg1"/>
-                </a:solidFill>
-              </a:rPr>
-              <a:t>1. </a:t>
-            </a:r>
-            <a:r>
-              <a:rPr lang="zh-CN" altLang="en-US" sz="2000" b="1" dirty="0">
-                <a:solidFill>
-                  <a:schemeClr val="bg1"/>
-                </a:solidFill>
-              </a:rPr>
-              <a:t>工作内外有反馈</a:t>
-            </a:r>
-            <a:endParaRPr lang="zh-CN" sz="2000" b="1" dirty="0">
-              <a:solidFill>
-                <a:schemeClr val="bg1"/>
-              </a:solidFill>
-            </a:endParaRPr>
-          </a:p>
-        </p:txBody>
-      </p:sp>
-      <p:sp>
-        <p:nvSpPr>
-          <p:cNvPr id="12" name="矩形 11"/>
-          <p:cNvSpPr/>
-          <p:nvPr/>
-        </p:nvSpPr>
-        <p:spPr>
-          <a:xfrm>
-            <a:off x="7721382" y="2438876"/>
-            <a:ext cx="2232660" cy="398780"/>
-          </a:xfrm>
-          <a:prstGeom prst="rect">
-            <a:avLst/>
-          </a:prstGeom>
-        </p:spPr>
-        <p:txBody>
-          <a:bodyPr wrap="none">
-            <a:spAutoFit/>
-          </a:bodyPr>
-          <a:lstStyle/>
-          <a:p>
-            <a:r>
-              <a:rPr lang="en-US" altLang="zh-CN" sz="2000" b="1" dirty="0">
-                <a:solidFill>
-                  <a:schemeClr val="bg1"/>
-                </a:solidFill>
-              </a:rPr>
-              <a:t>2. </a:t>
-            </a:r>
-            <a:r>
-              <a:rPr lang="zh-CN" altLang="en-US" sz="2000" b="1" dirty="0">
-                <a:solidFill>
-                  <a:schemeClr val="bg1"/>
-                </a:solidFill>
-              </a:rPr>
-              <a:t>工作内外给结论</a:t>
-            </a:r>
-            <a:endParaRPr lang="zh-CN" sz="2000" b="1" dirty="0">
-              <a:solidFill>
-                <a:schemeClr val="bg1"/>
-              </a:solidFill>
-            </a:endParaRPr>
-          </a:p>
-        </p:txBody>
-      </p:sp>
-      <p:sp>
-        <p:nvSpPr>
-          <p:cNvPr id="14" name="矩形 13"/>
-          <p:cNvSpPr/>
-          <p:nvPr/>
-        </p:nvSpPr>
-        <p:spPr>
-          <a:xfrm>
-            <a:off x="1744601" y="4078615"/>
-            <a:ext cx="3203575" cy="398780"/>
-          </a:xfrm>
-          <a:prstGeom prst="rect">
-            <a:avLst/>
-          </a:prstGeom>
-        </p:spPr>
-        <p:txBody>
-          <a:bodyPr wrap="none">
-            <a:spAutoFit/>
-          </a:bodyPr>
-          <a:lstStyle/>
-          <a:p>
-            <a:r>
-              <a:rPr lang="en-US" altLang="zh-CN" sz="2000" b="1" dirty="0">
-                <a:solidFill>
-                  <a:schemeClr val="bg1"/>
-                </a:solidFill>
-              </a:rPr>
-              <a:t>3. </a:t>
-            </a:r>
-            <a:r>
-              <a:rPr lang="zh-CN" altLang="en-US" sz="2000" b="1" dirty="0">
-                <a:solidFill>
-                  <a:schemeClr val="bg1"/>
-                </a:solidFill>
-              </a:rPr>
-              <a:t>认同公司</a:t>
-            </a:r>
-            <a:r>
-              <a:rPr lang="en-US" altLang="zh-CN" sz="2000" b="1" dirty="0">
-                <a:solidFill>
-                  <a:schemeClr val="bg1"/>
-                </a:solidFill>
-              </a:rPr>
-              <a:t>&amp;</a:t>
-            </a:r>
-            <a:r>
-              <a:rPr lang="zh-CN" altLang="en-US" sz="2000" b="1" dirty="0">
-                <a:solidFill>
-                  <a:schemeClr val="bg1"/>
-                </a:solidFill>
-              </a:rPr>
-              <a:t>部门发展方向</a:t>
-            </a:r>
-            <a:endParaRPr lang="zh-CN" altLang="en-US" sz="2000" b="1" dirty="0">
-              <a:solidFill>
-                <a:schemeClr val="bg1"/>
-              </a:solidFill>
-            </a:endParaRPr>
-          </a:p>
-        </p:txBody>
-      </p:sp>
-      <p:sp>
-        <p:nvSpPr>
-          <p:cNvPr id="16" name="矩形 15"/>
-          <p:cNvSpPr/>
-          <p:nvPr/>
-        </p:nvSpPr>
-        <p:spPr>
-          <a:xfrm>
-            <a:off x="8356382" y="4077980"/>
-            <a:ext cx="962660" cy="398780"/>
-          </a:xfrm>
-          <a:prstGeom prst="rect">
-            <a:avLst/>
-          </a:prstGeom>
-        </p:spPr>
-        <p:txBody>
-          <a:bodyPr wrap="none">
-            <a:spAutoFit/>
-          </a:bodyPr>
-          <a:lstStyle/>
-          <a:p>
-            <a:r>
-              <a:rPr lang="en-US" altLang="zh-CN" sz="2000" b="1" dirty="0">
-                <a:solidFill>
-                  <a:schemeClr val="bg1"/>
-                </a:solidFill>
-              </a:rPr>
-              <a:t>4. </a:t>
-            </a:r>
-            <a:r>
-              <a:rPr lang="zh-CN" altLang="en-US" sz="2000" b="1" dirty="0">
-                <a:solidFill>
-                  <a:schemeClr val="bg1"/>
-                </a:solidFill>
-              </a:rPr>
-              <a:t>听话</a:t>
-            </a:r>
-            <a:endParaRPr lang="zh-CN" altLang="en-US" sz="2000" b="1" dirty="0">
-              <a:solidFill>
-                <a:schemeClr val="bg1"/>
-              </a:solidFill>
-            </a:endParaRPr>
-          </a:p>
-        </p:txBody>
-      </p:sp>
-      <p:sp>
-        <p:nvSpPr>
-          <p:cNvPr id="17" name="椭圆 16"/>
-          <p:cNvSpPr/>
-          <p:nvPr/>
-        </p:nvSpPr>
-        <p:spPr>
-          <a:xfrm>
-            <a:off x="-1226820" y="-1346917"/>
-            <a:ext cx="2453640" cy="2453640"/>
-          </a:xfrm>
-          <a:prstGeom prst="ellipse">
-            <a:avLst/>
-          </a:prstGeom>
-          <a:solidFill>
-            <a:srgbClr val="48A2A0">
-              <a:alpha val="70000"/>
-            </a:srgbClr>
-          </a:solidFill>
-          <a:ln>
-            <a:noFill/>
-          </a:ln>
-        </p:spPr>
-        <p:style>
-          <a:lnRef idx="2">
-            <a:schemeClr val="accent1">
-              <a:shade val="50000"/>
-            </a:schemeClr>
-          </a:lnRef>
-          <a:fillRef idx="1">
-            <a:schemeClr val="accent1"/>
-          </a:fillRef>
-          <a:effectRef idx="0">
-            <a:schemeClr val="accent1"/>
-          </a:effectRef>
-          <a:fontRef idx="minor">
-            <a:schemeClr val="lt1"/>
-          </a:fontRef>
-        </p:style>
-        <p:txBody>
-          <a:bodyPr rtlCol="0" anchor="ctr"/>
-          <a:lstStyle/>
-          <a:p>
-            <a:pPr algn="ctr"/>
-            <a:endParaRPr lang="zh-CN" altLang="en-US"/>
-          </a:p>
-        </p:txBody>
-      </p:sp>
-      <p:sp>
-        <p:nvSpPr>
-          <p:cNvPr id="18" name="椭圆 17"/>
-          <p:cNvSpPr/>
-          <p:nvPr/>
-        </p:nvSpPr>
-        <p:spPr>
-          <a:xfrm>
-            <a:off x="434235" y="314138"/>
-            <a:ext cx="792585" cy="792585"/>
-          </a:xfrm>
-          <a:prstGeom prst="ellipse">
-            <a:avLst/>
-          </a:prstGeom>
-          <a:solidFill>
-            <a:srgbClr val="6C92C0">
-              <a:alpha val="70000"/>
-            </a:srgbClr>
-          </a:solidFill>
-          <a:ln>
-            <a:noFill/>
-          </a:ln>
-        </p:spPr>
-        <p:style>
-          <a:lnRef idx="2">
-            <a:schemeClr val="accent1">
-              <a:shade val="50000"/>
-            </a:schemeClr>
-          </a:lnRef>
-          <a:fillRef idx="1">
-            <a:schemeClr val="accent1"/>
-          </a:fillRef>
-          <a:effectRef idx="0">
-            <a:schemeClr val="accent1"/>
-          </a:effectRef>
-          <a:fontRef idx="minor">
-            <a:schemeClr val="lt1"/>
-          </a:fontRef>
-        </p:style>
-        <p:txBody>
-          <a:bodyPr rtlCol="0" anchor="ctr"/>
-          <a:lstStyle/>
-          <a:p>
-            <a:pPr algn="ctr"/>
-            <a:endParaRPr lang="zh-CN" altLang="en-US"/>
-          </a:p>
-        </p:txBody>
-      </p:sp>
-      <p:sp>
-        <p:nvSpPr>
-          <p:cNvPr id="20" name="矩形 19"/>
-          <p:cNvSpPr/>
-          <p:nvPr/>
-        </p:nvSpPr>
-        <p:spPr>
-          <a:xfrm>
-            <a:off x="1344023" y="400723"/>
-            <a:ext cx="1198880" cy="398780"/>
-          </a:xfrm>
-          <a:prstGeom prst="rect">
-            <a:avLst/>
-          </a:prstGeom>
-        </p:spPr>
-        <p:txBody>
-          <a:bodyPr wrap="none">
-            <a:spAutoFit/>
-          </a:bodyPr>
-          <a:lstStyle/>
-          <a:p>
-            <a:r>
-              <a:rPr lang="zh-CN" altLang="en-US" sz="2000" b="1" dirty="0">
-                <a:solidFill>
-                  <a:schemeClr val="tx1">
-                    <a:lumMod val="75000"/>
-                    <a:lumOff val="25000"/>
-                  </a:schemeClr>
-                </a:solidFill>
-              </a:rPr>
-              <a:t>向上汇报</a:t>
-            </a:r>
-            <a:endParaRPr lang="zh-CN" altLang="en-US" sz="2000" b="1" dirty="0">
-              <a:solidFill>
-                <a:schemeClr val="tx1">
-                  <a:lumMod val="75000"/>
-                  <a:lumOff val="25000"/>
-                </a:schemeClr>
-              </a:solidFill>
-            </a:endParaRPr>
-          </a:p>
-        </p:txBody>
-      </p:sp>
-      <p:sp>
-        <p:nvSpPr>
-          <p:cNvPr id="21" name="矩形 20"/>
-          <p:cNvSpPr/>
-          <p:nvPr/>
-        </p:nvSpPr>
-        <p:spPr>
-          <a:xfrm>
-            <a:off x="1344023" y="799251"/>
-            <a:ext cx="1719580" cy="260350"/>
-          </a:xfrm>
-          <a:prstGeom prst="rect">
-            <a:avLst/>
-          </a:prstGeom>
-        </p:spPr>
-        <p:txBody>
-          <a:bodyPr wrap="none">
-            <a:spAutoFit/>
-          </a:bodyPr>
-          <a:lstStyle/>
-          <a:p>
-            <a:pPr algn="l"/>
-            <a:r>
-              <a:rPr lang="zh-CN" altLang="en-US" sz="1100" dirty="0">
-                <a:solidFill>
-                  <a:schemeClr val="bg1">
-                    <a:lumMod val="50000"/>
-                  </a:schemeClr>
-                </a:solidFill>
-              </a:rPr>
-              <a:t>可落地的团队管理方法论</a:t>
-            </a:r>
-            <a:endParaRPr lang="zh-CN" altLang="en-US" sz="1100" dirty="0">
-              <a:solidFill>
-                <a:schemeClr val="bg1">
-                  <a:lumMod val="50000"/>
-                </a:schemeClr>
-              </a:solidFill>
-            </a:endParaRPr>
-          </a:p>
-        </p:txBody>
-      </p:sp>
-    </p:spTree>
-  </p:cSld>
-  <p:clrMapOvr>
-    <a:masterClrMapping/>
-  </p:clrMapOvr>
-  <p:timing>
-    <p:tnLst>
-      <p:par>
-        <p:cTn id="1" dur="indefinite" restart="never" nodeType="tmRoot"/>
-      </p:par>
-    </p:tnLst>
-  </p:timing>
-</p:sld>
-</file>
-
 <file path=ppt/slides/slide12.xml><?xml version="1.0" encoding="utf-8"?>
 <p:sld xmlns:a="http://schemas.openxmlformats.org/drawingml/2006/main" xmlns:r="http://schemas.openxmlformats.org/officeDocument/2006/relationships" xmlns:p="http://schemas.openxmlformats.org/presentationml/2006/main">
   <p:cSld>
@@ -3584,16 +3344,16 @@
       </p:grpSpPr>
       <p:sp>
         <p:nvSpPr>
-          <p:cNvPr id="17" name="椭圆 16"/>
+          <p:cNvPr id="3" name="矩形 2"/>
           <p:cNvSpPr/>
           <p:nvPr/>
         </p:nvSpPr>
         <p:spPr>
           <a:xfrm>
-            <a:off x="-1226820" y="-1346917"/>
-            <a:ext cx="2453640" cy="2453640"/>
-          </a:xfrm>
-          <a:prstGeom prst="ellipse">
+            <a:off x="811530" y="1966595"/>
+            <a:ext cx="5067935" cy="1343660"/>
+          </a:xfrm>
+          <a:prstGeom prst="rect">
             <a:avLst/>
           </a:prstGeom>
           <a:solidFill>
@@ -3626,22 +3386,26 @@
           <a:lstStyle/>
           <a:p>
             <a:pPr algn="ctr"/>
-            <a:endParaRPr lang="zh-CN" altLang="en-US"/>
-          </a:p>
-        </p:txBody>
-      </p:sp>
-      <p:sp>
-        <p:nvSpPr>
-          <p:cNvPr id="18" name="椭圆 17"/>
+            <a:endParaRPr lang="zh-CN" altLang="en-US">
+              <a:solidFill>
+                <a:schemeClr val="bg1"/>
+              </a:solidFill>
+            </a:endParaRPr>
+          </a:p>
+        </p:txBody>
+      </p:sp>
+      <p:sp>
+        <p:nvSpPr>
+          <p:cNvPr id="4" name="矩形 3"/>
           <p:cNvSpPr/>
           <p:nvPr/>
         </p:nvSpPr>
         <p:spPr>
           <a:xfrm>
-            <a:off x="434235" y="314138"/>
-            <a:ext cx="792585" cy="792585"/>
-          </a:xfrm>
-          <a:prstGeom prst="ellipse">
+            <a:off x="811530" y="3620135"/>
+            <a:ext cx="5067935" cy="1315720"/>
+          </a:xfrm>
+          <a:prstGeom prst="rect">
             <a:avLst/>
           </a:prstGeom>
           <a:solidFill>
@@ -3674,6 +3438,398 @@
           <a:lstStyle/>
           <a:p>
             <a:pPr algn="ctr"/>
+            <a:endParaRPr lang="zh-CN" altLang="en-US">
+              <a:solidFill>
+                <a:schemeClr val="bg1"/>
+              </a:solidFill>
+            </a:endParaRPr>
+          </a:p>
+        </p:txBody>
+      </p:sp>
+      <p:sp>
+        <p:nvSpPr>
+          <p:cNvPr id="7" name="矩形 6"/>
+          <p:cNvSpPr/>
+          <p:nvPr/>
+        </p:nvSpPr>
+        <p:spPr>
+          <a:xfrm>
+            <a:off x="6304280" y="3620135"/>
+            <a:ext cx="5067935" cy="1315085"/>
+          </a:xfrm>
+          <a:prstGeom prst="rect">
+            <a:avLst/>
+          </a:prstGeom>
+          <a:solidFill>
+            <a:srgbClr val="48A2A0">
+              <a:alpha val="70000"/>
+            </a:srgbClr>
+          </a:solidFill>
+          <a:ln>
+            <a:noFill/>
+          </a:ln>
+        </p:spPr>
+        <p:style>
+          <a:lnRef idx="2">
+            <a:schemeClr val="accent1">
+              <a:shade val="50000"/>
+            </a:schemeClr>
+          </a:lnRef>
+          <a:fillRef idx="1">
+            <a:schemeClr val="accent1"/>
+          </a:fillRef>
+          <a:effectRef idx="0">
+            <a:schemeClr val="accent1"/>
+          </a:effectRef>
+          <a:fontRef idx="minor">
+            <a:schemeClr val="lt1"/>
+          </a:fontRef>
+        </p:style>
+        <p:txBody>
+          <a:bodyPr rtlCol="0" anchor="ctr"/>
+          <a:lstStyle/>
+          <a:p>
+            <a:pPr algn="ctr"/>
+            <a:endParaRPr lang="zh-CN" altLang="en-US"/>
+          </a:p>
+        </p:txBody>
+      </p:sp>
+      <p:sp>
+        <p:nvSpPr>
+          <p:cNvPr id="8" name="矩形 7"/>
+          <p:cNvSpPr/>
+          <p:nvPr/>
+        </p:nvSpPr>
+        <p:spPr>
+          <a:xfrm>
+            <a:off x="6304280" y="1966595"/>
+            <a:ext cx="5067935" cy="1343660"/>
+          </a:xfrm>
+          <a:prstGeom prst="rect">
+            <a:avLst/>
+          </a:prstGeom>
+          <a:solidFill>
+            <a:srgbClr val="6C92C0">
+              <a:alpha val="70000"/>
+            </a:srgbClr>
+          </a:solidFill>
+          <a:ln>
+            <a:noFill/>
+          </a:ln>
+        </p:spPr>
+        <p:style>
+          <a:lnRef idx="2">
+            <a:schemeClr val="accent1">
+              <a:shade val="50000"/>
+            </a:schemeClr>
+          </a:lnRef>
+          <a:fillRef idx="1">
+            <a:schemeClr val="accent1"/>
+          </a:fillRef>
+          <a:effectRef idx="0">
+            <a:schemeClr val="accent1"/>
+          </a:effectRef>
+          <a:fontRef idx="minor">
+            <a:schemeClr val="lt1"/>
+          </a:fontRef>
+        </p:style>
+        <p:txBody>
+          <a:bodyPr rtlCol="0" anchor="ctr"/>
+          <a:lstStyle/>
+          <a:p>
+            <a:pPr algn="ctr"/>
+            <a:endParaRPr lang="zh-CN" altLang="en-US"/>
+          </a:p>
+        </p:txBody>
+      </p:sp>
+      <p:sp>
+        <p:nvSpPr>
+          <p:cNvPr id="10" name="矩形 9"/>
+          <p:cNvSpPr/>
+          <p:nvPr/>
+        </p:nvSpPr>
+        <p:spPr>
+          <a:xfrm>
+            <a:off x="2229741" y="2438876"/>
+            <a:ext cx="2232660" cy="398780"/>
+          </a:xfrm>
+          <a:prstGeom prst="rect">
+            <a:avLst/>
+          </a:prstGeom>
+        </p:spPr>
+        <p:txBody>
+          <a:bodyPr wrap="none">
+            <a:spAutoFit/>
+          </a:bodyPr>
+          <a:lstStyle/>
+          <a:p>
+            <a:r>
+              <a:rPr lang="en-US" altLang="zh-CN" sz="2000" b="1" dirty="0">
+                <a:solidFill>
+                  <a:schemeClr val="bg1"/>
+                </a:solidFill>
+              </a:rPr>
+              <a:t>1. </a:t>
+            </a:r>
+            <a:r>
+              <a:rPr lang="zh-CN" altLang="en-US" sz="2000" b="1" dirty="0">
+                <a:solidFill>
+                  <a:schemeClr val="bg1"/>
+                </a:solidFill>
+              </a:rPr>
+              <a:t>工作内外有反馈</a:t>
+            </a:r>
+            <a:endParaRPr lang="zh-CN" sz="2000" b="1" dirty="0">
+              <a:solidFill>
+                <a:schemeClr val="bg1"/>
+              </a:solidFill>
+            </a:endParaRPr>
+          </a:p>
+        </p:txBody>
+      </p:sp>
+      <p:sp>
+        <p:nvSpPr>
+          <p:cNvPr id="12" name="矩形 11"/>
+          <p:cNvSpPr/>
+          <p:nvPr/>
+        </p:nvSpPr>
+        <p:spPr>
+          <a:xfrm>
+            <a:off x="7721382" y="2438876"/>
+            <a:ext cx="2232660" cy="398780"/>
+          </a:xfrm>
+          <a:prstGeom prst="rect">
+            <a:avLst/>
+          </a:prstGeom>
+        </p:spPr>
+        <p:txBody>
+          <a:bodyPr wrap="none">
+            <a:spAutoFit/>
+          </a:bodyPr>
+          <a:lstStyle/>
+          <a:p>
+            <a:r>
+              <a:rPr lang="en-US" altLang="zh-CN" sz="2000" b="1" dirty="0">
+                <a:solidFill>
+                  <a:schemeClr val="bg1"/>
+                </a:solidFill>
+              </a:rPr>
+              <a:t>2. </a:t>
+            </a:r>
+            <a:r>
+              <a:rPr lang="zh-CN" altLang="en-US" sz="2000" b="1" dirty="0">
+                <a:solidFill>
+                  <a:schemeClr val="bg1"/>
+                </a:solidFill>
+              </a:rPr>
+              <a:t>工作内外给结论</a:t>
+            </a:r>
+            <a:endParaRPr lang="zh-CN" sz="2000" b="1" dirty="0">
+              <a:solidFill>
+                <a:schemeClr val="bg1"/>
+              </a:solidFill>
+            </a:endParaRPr>
+          </a:p>
+        </p:txBody>
+      </p:sp>
+      <p:sp>
+        <p:nvSpPr>
+          <p:cNvPr id="14" name="矩形 13"/>
+          <p:cNvSpPr/>
+          <p:nvPr/>
+        </p:nvSpPr>
+        <p:spPr>
+          <a:xfrm>
+            <a:off x="1744601" y="4078615"/>
+            <a:ext cx="3203575" cy="398780"/>
+          </a:xfrm>
+          <a:prstGeom prst="rect">
+            <a:avLst/>
+          </a:prstGeom>
+        </p:spPr>
+        <p:txBody>
+          <a:bodyPr wrap="none">
+            <a:spAutoFit/>
+          </a:bodyPr>
+          <a:lstStyle/>
+          <a:p>
+            <a:r>
+              <a:rPr lang="en-US" altLang="zh-CN" sz="2000" b="1" dirty="0">
+                <a:solidFill>
+                  <a:schemeClr val="bg1"/>
+                </a:solidFill>
+              </a:rPr>
+              <a:t>3. </a:t>
+            </a:r>
+            <a:r>
+              <a:rPr lang="zh-CN" altLang="en-US" sz="2000" b="1" dirty="0">
+                <a:solidFill>
+                  <a:schemeClr val="bg1"/>
+                </a:solidFill>
+              </a:rPr>
+              <a:t>认同公司</a:t>
+            </a:r>
+            <a:r>
+              <a:rPr lang="en-US" altLang="zh-CN" sz="2000" b="1" dirty="0">
+                <a:solidFill>
+                  <a:schemeClr val="bg1"/>
+                </a:solidFill>
+              </a:rPr>
+              <a:t>&amp;</a:t>
+            </a:r>
+            <a:r>
+              <a:rPr lang="zh-CN" altLang="en-US" sz="2000" b="1" dirty="0">
+                <a:solidFill>
+                  <a:schemeClr val="bg1"/>
+                </a:solidFill>
+              </a:rPr>
+              <a:t>部门发展方向</a:t>
+            </a:r>
+            <a:endParaRPr lang="zh-CN" altLang="en-US" sz="2000" b="1" dirty="0">
+              <a:solidFill>
+                <a:schemeClr val="bg1"/>
+              </a:solidFill>
+            </a:endParaRPr>
+          </a:p>
+        </p:txBody>
+      </p:sp>
+      <p:sp>
+        <p:nvSpPr>
+          <p:cNvPr id="16" name="矩形 15"/>
+          <p:cNvSpPr/>
+          <p:nvPr/>
+        </p:nvSpPr>
+        <p:spPr>
+          <a:xfrm>
+            <a:off x="8356382" y="4077980"/>
+            <a:ext cx="962660" cy="398780"/>
+          </a:xfrm>
+          <a:prstGeom prst="rect">
+            <a:avLst/>
+          </a:prstGeom>
+        </p:spPr>
+        <p:txBody>
+          <a:bodyPr wrap="none">
+            <a:spAutoFit/>
+          </a:bodyPr>
+          <a:lstStyle/>
+          <a:p>
+            <a:r>
+              <a:rPr lang="en-US" altLang="zh-CN" sz="2000" b="1" dirty="0">
+                <a:solidFill>
+                  <a:schemeClr val="bg1"/>
+                </a:solidFill>
+              </a:rPr>
+              <a:t>4. </a:t>
+            </a:r>
+            <a:r>
+              <a:rPr lang="zh-CN" altLang="en-US" sz="2000" b="1" dirty="0">
+                <a:solidFill>
+                  <a:schemeClr val="bg1"/>
+                </a:solidFill>
+              </a:rPr>
+              <a:t>听话</a:t>
+            </a:r>
+            <a:endParaRPr lang="zh-CN" altLang="en-US" sz="2000" b="1" dirty="0">
+              <a:solidFill>
+                <a:schemeClr val="bg1"/>
+              </a:solidFill>
+            </a:endParaRPr>
+          </a:p>
+        </p:txBody>
+      </p:sp>
+      <p:sp>
+        <p:nvSpPr>
+          <p:cNvPr id="17" name="椭圆 16"/>
+          <p:cNvSpPr/>
+          <p:nvPr/>
+        </p:nvSpPr>
+        <p:spPr>
+          <a:xfrm>
+            <a:off x="-1226820" y="-1346917"/>
+            <a:ext cx="2453640" cy="2453640"/>
+          </a:xfrm>
+          <a:prstGeom prst="ellipse">
+            <a:avLst/>
+          </a:prstGeom>
+          <a:solidFill>
+            <a:srgbClr val="48A2A0">
+              <a:alpha val="70000"/>
+            </a:srgbClr>
+          </a:solidFill>
+          <a:ln>
+            <a:noFill/>
+          </a:ln>
+        </p:spPr>
+        <p:style>
+          <a:lnRef idx="2">
+            <a:schemeClr val="accent1">
+              <a:shade val="50000"/>
+            </a:schemeClr>
+          </a:lnRef>
+          <a:fillRef idx="1">
+            <a:schemeClr val="accent1"/>
+          </a:fillRef>
+          <a:effectRef idx="0">
+            <a:schemeClr val="accent1"/>
+          </a:effectRef>
+          <a:fontRef idx="minor">
+            <a:schemeClr val="lt1"/>
+          </a:fontRef>
+        </p:style>
+        <p:txBody>
+          <a:bodyPr rtlCol="0" anchor="ctr"/>
+          <a:lstStyle/>
+          <a:p>
+            <a:pPr algn="ctr"/>
+            <a:endParaRPr lang="zh-CN" altLang="en-US"/>
+          </a:p>
+        </p:txBody>
+      </p:sp>
+      <p:sp>
+        <p:nvSpPr>
+          <p:cNvPr id="18" name="椭圆 17"/>
+          <p:cNvSpPr/>
+          <p:nvPr/>
+        </p:nvSpPr>
+        <p:spPr>
+          <a:xfrm>
+            <a:off x="434235" y="314138"/>
+            <a:ext cx="792585" cy="792585"/>
+          </a:xfrm>
+          <a:prstGeom prst="ellipse">
+            <a:avLst/>
+          </a:prstGeom>
+          <a:solidFill>
+            <a:srgbClr val="6C92C0">
+              <a:alpha val="70000"/>
+            </a:srgbClr>
+          </a:solidFill>
+          <a:ln>
+            <a:noFill/>
+          </a:ln>
+        </p:spPr>
+        <p:style>
+          <a:lnRef idx="2">
+            <a:schemeClr val="accent1">
+              <a:shade val="50000"/>
+            </a:schemeClr>
+          </a:lnRef>
+          <a:fillRef idx="1">
+            <a:schemeClr val="accent1"/>
+          </a:fillRef>
+          <a:effectRef idx="0">
+            <a:schemeClr val="accent1"/>
+          </a:effectRef>
+          <a:fontRef idx="minor">
+            <a:schemeClr val="lt1"/>
+          </a:fontRef>
+        </p:style>
+        <p:txBody>
+          <a:bodyPr rtlCol="0" anchor="ctr"/>
+          <a:lstStyle/>
+          <a:p>
+            <a:pPr algn="ctr"/>
             <a:endParaRPr lang="zh-CN" altLang="en-US"/>
           </a:p>
         </p:txBody>
@@ -3687,7 +3843,7 @@
         <p:spPr>
           <a:xfrm>
             <a:off x="1344023" y="400723"/>
-            <a:ext cx="1452880" cy="398780"/>
+            <a:ext cx="1198880" cy="398780"/>
           </a:xfrm>
           <a:prstGeom prst="rect">
             <a:avLst/>
@@ -3708,7 +3864,7 @@
                   </a:schemeClr>
                 </a:solidFill>
               </a:rPr>
-              <a:t>空降怎么办</a:t>
+              <a:t>向上汇报</a:t>
             </a:r>
             <a:endParaRPr lang="zh-CN" altLang="en-US" sz="2000" b="1" dirty="0">
               <a:solidFill>
@@ -3759,138 +3915,6 @@
                   <a:lumMod val="50000"/>
                 </a:schemeClr>
               </a:solidFill>
-            </a:endParaRPr>
-          </a:p>
-        </p:txBody>
-      </p:sp>
-      <p:sp>
-        <p:nvSpPr>
-          <p:cNvPr id="2" name="文本框 1"/>
-          <p:cNvSpPr txBox="1"/>
-          <p:nvPr/>
-        </p:nvSpPr>
-        <p:spPr>
-          <a:xfrm>
-            <a:off x="2016760" y="1843405"/>
-            <a:ext cx="5955030" cy="506730"/>
-          </a:xfrm>
-          <a:prstGeom prst="rect">
-            <a:avLst/>
-          </a:prstGeom>
-          <a:noFill/>
-        </p:spPr>
-        <p:txBody>
-          <a:bodyPr wrap="none" rtlCol="0" anchor="t">
-            <a:spAutoFit/>
-          </a:bodyPr>
-          <a:p>
-            <a:pPr marL="285750" indent="-285750" fontAlgn="auto">
-              <a:lnSpc>
-                <a:spcPct val="150000"/>
-              </a:lnSpc>
-              <a:buClr>
-                <a:srgbClr val="48A2A0"/>
-              </a:buClr>
-              <a:buFont typeface="Wingdings" panose="05000000000000000000" pitchFamily="2" charset="2"/>
-              <a:buChar char="l"/>
-            </a:pPr>
-            <a:r>
-              <a:rPr lang="zh-CN" altLang="en-US"/>
-              <a:t>摸清前端每个组员底细，了解性格、代码等各方面能力</a:t>
-            </a:r>
-            <a:endParaRPr lang="zh-CN" altLang="en-US"/>
-          </a:p>
-        </p:txBody>
-      </p:sp>
-      <p:sp>
-        <p:nvSpPr>
-          <p:cNvPr id="4" name="文本框 3"/>
-          <p:cNvSpPr txBox="1"/>
-          <p:nvPr/>
-        </p:nvSpPr>
-        <p:spPr>
-          <a:xfrm>
-            <a:off x="2016760" y="2839720"/>
-            <a:ext cx="3211830" cy="506730"/>
-          </a:xfrm>
-          <a:prstGeom prst="rect">
-            <a:avLst/>
-          </a:prstGeom>
-          <a:noFill/>
-        </p:spPr>
-        <p:txBody>
-          <a:bodyPr wrap="none" rtlCol="0" anchor="t">
-            <a:spAutoFit/>
-          </a:bodyPr>
-          <a:p>
-            <a:pPr marL="285750" indent="-285750" fontAlgn="auto">
-              <a:lnSpc>
-                <a:spcPct val="150000"/>
-              </a:lnSpc>
-              <a:buClr>
-                <a:srgbClr val="48A2A0"/>
-              </a:buClr>
-              <a:buFont typeface="Wingdings" panose="05000000000000000000" pitchFamily="2" charset="2"/>
-              <a:buChar char="l"/>
-            </a:pPr>
-            <a:r>
-              <a:rPr lang="zh-CN" dirty="0" smtClean="0">
-                <a:solidFill>
-                  <a:srgbClr val="4D402B"/>
-                </a:solidFill>
-                <a:sym typeface="+mn-ea"/>
-              </a:rPr>
-              <a:t>制定计划逐步改善组内环境</a:t>
-            </a:r>
-            <a:endParaRPr lang="zh-CN" altLang="en-US"/>
-          </a:p>
-        </p:txBody>
-      </p:sp>
-      <p:sp>
-        <p:nvSpPr>
-          <p:cNvPr id="5" name="文本框 4"/>
-          <p:cNvSpPr txBox="1"/>
-          <p:nvPr/>
-        </p:nvSpPr>
-        <p:spPr>
-          <a:xfrm>
-            <a:off x="2016760" y="3829050"/>
-            <a:ext cx="3211830" cy="506730"/>
-          </a:xfrm>
-          <a:prstGeom prst="rect">
-            <a:avLst/>
-          </a:prstGeom>
-          <a:noFill/>
-        </p:spPr>
-        <p:txBody>
-          <a:bodyPr wrap="none" rtlCol="0" anchor="t">
-            <a:spAutoFit/>
-          </a:bodyPr>
-          <a:p>
-            <a:pPr marL="285750" indent="-285750" fontAlgn="auto">
-              <a:lnSpc>
-                <a:spcPct val="150000"/>
-              </a:lnSpc>
-              <a:buClr>
-                <a:srgbClr val="48A2A0"/>
-              </a:buClr>
-              <a:buFont typeface="Wingdings" panose="05000000000000000000" pitchFamily="2" charset="2"/>
-              <a:buChar char="l"/>
-            </a:pPr>
-            <a:r>
-              <a:rPr lang="zh-CN" dirty="0" smtClean="0">
-                <a:solidFill>
-                  <a:srgbClr val="4D402B"/>
-                </a:solidFill>
-                <a:sym typeface="+mn-ea"/>
-              </a:rPr>
-              <a:t>处理完不成任务还捣乱的人</a:t>
-            </a:r>
-            <a:endParaRPr lang="zh-CN" dirty="0" smtClean="0">
-              <a:solidFill>
-                <a:srgbClr val="4D402B"/>
-              </a:solidFill>
-              <a:sym typeface="+mn-ea"/>
             </a:endParaRPr>
           </a:p>
         </p:txBody>
@@ -4032,7 +4056,7 @@
         <p:spPr>
           <a:xfrm>
             <a:off x="1344023" y="400723"/>
-            <a:ext cx="1706880" cy="398780"/>
+            <a:ext cx="1452880" cy="398780"/>
           </a:xfrm>
           <a:prstGeom prst="rect">
             <a:avLst/>
@@ -4053,7 +4077,7 @@
                   </a:schemeClr>
                 </a:solidFill>
               </a:rPr>
-              <a:t>我下一步发展</a:t>
+              <a:t>空降怎么办</a:t>
             </a:r>
             <a:endParaRPr lang="zh-CN" altLang="en-US" sz="2000" b="1" dirty="0">
               <a:solidFill>
@@ -4110,272 +4134,14 @@
       </p:sp>
       <p:sp>
         <p:nvSpPr>
-          <p:cNvPr id="6" name="椭圆 5"/>
-          <p:cNvSpPr/>
-          <p:nvPr/>
-        </p:nvSpPr>
-        <p:spPr>
-          <a:xfrm>
-            <a:off x="1621790" y="3201670"/>
-            <a:ext cx="2479040" cy="2479040"/>
-          </a:xfrm>
-          <a:prstGeom prst="ellipse">
-            <a:avLst/>
-          </a:prstGeom>
-          <a:solidFill>
-            <a:srgbClr val="0070C0">
-              <a:alpha val="33000"/>
-            </a:srgbClr>
-          </a:solidFill>
-          <a:ln>
-            <a:noFill/>
-          </a:ln>
-        </p:spPr>
-        <p:style>
-          <a:lnRef idx="2">
-            <a:schemeClr val="accent1">
-              <a:shade val="50000"/>
-            </a:schemeClr>
-          </a:lnRef>
-          <a:fillRef idx="1">
-            <a:schemeClr val="accent1"/>
-          </a:fillRef>
-          <a:effectRef idx="0">
-            <a:schemeClr val="accent1"/>
-          </a:effectRef>
-          <a:fontRef idx="minor">
-            <a:schemeClr val="lt1"/>
-          </a:fontRef>
-        </p:style>
-        <p:txBody>
-          <a:bodyPr rtlCol="0" anchor="ctr"/>
-          <a:p>
-            <a:pPr algn="ctr"/>
-            <a:endParaRPr lang="zh-CN" altLang="en-US"/>
-          </a:p>
-        </p:txBody>
-      </p:sp>
-      <p:sp>
-        <p:nvSpPr>
-          <p:cNvPr id="9" name="椭圆 8"/>
-          <p:cNvSpPr/>
-          <p:nvPr/>
-        </p:nvSpPr>
-        <p:spPr>
-          <a:xfrm>
-            <a:off x="3572510" y="3201670"/>
-            <a:ext cx="2479040" cy="2479040"/>
-          </a:xfrm>
-          <a:prstGeom prst="ellipse">
-            <a:avLst/>
-          </a:prstGeom>
-          <a:solidFill>
-            <a:srgbClr val="6C92C0">
-              <a:alpha val="70000"/>
-            </a:srgbClr>
-          </a:solidFill>
-          <a:ln>
-            <a:noFill/>
-          </a:ln>
-        </p:spPr>
-        <p:style>
-          <a:lnRef idx="2">
-            <a:schemeClr val="accent1">
-              <a:shade val="50000"/>
-            </a:schemeClr>
-          </a:lnRef>
-          <a:fillRef idx="1">
-            <a:schemeClr val="accent1"/>
-          </a:fillRef>
-          <a:effectRef idx="0">
-            <a:schemeClr val="accent1"/>
-          </a:effectRef>
-          <a:fontRef idx="minor">
-            <a:schemeClr val="lt1"/>
-          </a:fontRef>
-        </p:style>
-        <p:txBody>
-          <a:bodyPr rtlCol="0" anchor="ctr"/>
-          <a:p>
-            <a:pPr algn="ctr"/>
-            <a:endParaRPr lang="zh-CN" altLang="en-US"/>
-          </a:p>
-        </p:txBody>
-      </p:sp>
-      <p:sp>
-        <p:nvSpPr>
-          <p:cNvPr id="11" name="椭圆 10"/>
-          <p:cNvSpPr/>
-          <p:nvPr/>
-        </p:nvSpPr>
-        <p:spPr>
-          <a:xfrm>
-            <a:off x="2597150" y="1671638"/>
-            <a:ext cx="2479040" cy="2479040"/>
-          </a:xfrm>
-          <a:prstGeom prst="ellipse">
-            <a:avLst/>
-          </a:prstGeom>
-          <a:solidFill>
-            <a:srgbClr val="48A2A0">
-              <a:alpha val="70000"/>
-            </a:srgbClr>
-          </a:solidFill>
-          <a:ln>
-            <a:noFill/>
-          </a:ln>
-        </p:spPr>
-        <p:style>
-          <a:lnRef idx="2">
-            <a:schemeClr val="accent1">
-              <a:shade val="50000"/>
-            </a:schemeClr>
-          </a:lnRef>
-          <a:fillRef idx="1">
-            <a:schemeClr val="accent1"/>
-          </a:fillRef>
-          <a:effectRef idx="0">
-            <a:schemeClr val="accent1"/>
-          </a:effectRef>
-          <a:fontRef idx="minor">
-            <a:schemeClr val="lt1"/>
-          </a:fontRef>
-        </p:style>
-        <p:txBody>
-          <a:bodyPr rtlCol="0" anchor="ctr"/>
-          <a:p>
-            <a:pPr algn="ctr"/>
-            <a:endParaRPr lang="zh-CN" altLang="en-US"/>
-          </a:p>
-        </p:txBody>
-      </p:sp>
-      <p:sp>
-        <p:nvSpPr>
-          <p:cNvPr id="13" name="文本框 12"/>
+          <p:cNvPr id="2" name="文本框 1"/>
           <p:cNvSpPr txBox="1"/>
           <p:nvPr/>
         </p:nvSpPr>
         <p:spPr>
           <a:xfrm>
-            <a:off x="2999527" y="2554744"/>
-            <a:ext cx="1808480" cy="583565"/>
-          </a:xfrm>
-          <a:prstGeom prst="rect">
-            <a:avLst/>
-          </a:prstGeom>
-          <a:noFill/>
-        </p:spPr>
-        <p:txBody>
-          <a:bodyPr wrap="none" rtlCol="0">
-            <a:spAutoFit/>
-          </a:bodyPr>
-          <a:p>
-            <a:r>
-              <a:rPr lang="zh-CN" sz="3200" dirty="0">
-                <a:solidFill>
-                  <a:schemeClr val="bg1"/>
-                </a:solidFill>
-                <a:latin typeface="+mj-lt"/>
-              </a:rPr>
-              <a:t>知识体系</a:t>
-            </a:r>
-            <a:endParaRPr lang="zh-CN" sz="3200" dirty="0">
-              <a:solidFill>
-                <a:schemeClr val="bg1"/>
-              </a:solidFill>
-              <a:latin typeface="+mj-lt"/>
-            </a:endParaRPr>
-          </a:p>
-        </p:txBody>
-      </p:sp>
-      <p:sp>
-        <p:nvSpPr>
-          <p:cNvPr id="15" name="文本框 14"/>
-          <p:cNvSpPr txBox="1"/>
-          <p:nvPr/>
-        </p:nvSpPr>
-        <p:spPr>
-          <a:xfrm>
-            <a:off x="2363257" y="4173994"/>
-            <a:ext cx="995680" cy="583565"/>
-          </a:xfrm>
-          <a:prstGeom prst="rect">
-            <a:avLst/>
-          </a:prstGeom>
-          <a:noFill/>
-        </p:spPr>
-        <p:txBody>
-          <a:bodyPr wrap="none" rtlCol="0">
-            <a:spAutoFit/>
-          </a:bodyPr>
-          <a:p>
-            <a:r>
-              <a:rPr lang="zh-CN" sz="3200" dirty="0">
-                <a:solidFill>
-                  <a:schemeClr val="bg1"/>
-                </a:solidFill>
-                <a:latin typeface="+mj-lt"/>
-              </a:rPr>
-              <a:t>困境</a:t>
-            </a:r>
-            <a:endParaRPr lang="zh-CN" sz="3200" dirty="0">
-              <a:solidFill>
-                <a:schemeClr val="bg1"/>
-              </a:solidFill>
-              <a:latin typeface="+mj-lt"/>
-            </a:endParaRPr>
-          </a:p>
-        </p:txBody>
-      </p:sp>
-      <p:sp>
-        <p:nvSpPr>
-          <p:cNvPr id="22" name="文本框 21"/>
-          <p:cNvSpPr txBox="1"/>
-          <p:nvPr/>
-        </p:nvSpPr>
-        <p:spPr>
-          <a:xfrm>
-            <a:off x="4244127" y="4201934"/>
-            <a:ext cx="1402080" cy="583565"/>
-          </a:xfrm>
-          <a:prstGeom prst="rect">
-            <a:avLst/>
-          </a:prstGeom>
-          <a:noFill/>
-        </p:spPr>
-        <p:txBody>
-          <a:bodyPr wrap="none" rtlCol="0">
-            <a:spAutoFit/>
-          </a:bodyPr>
-          <a:p>
-            <a:r>
-              <a:rPr lang="zh-CN" sz="3200" dirty="0">
-                <a:solidFill>
-                  <a:schemeClr val="bg1"/>
-                </a:solidFill>
-                <a:latin typeface="+mj-lt"/>
-              </a:rPr>
-              <a:t>方法论</a:t>
-            </a:r>
-            <a:endParaRPr lang="zh-CN" sz="3200" dirty="0">
-              <a:solidFill>
-                <a:schemeClr val="bg1"/>
-              </a:solidFill>
-              <a:latin typeface="+mj-lt"/>
-            </a:endParaRPr>
-          </a:p>
-        </p:txBody>
-      </p:sp>
-      <p:sp>
-        <p:nvSpPr>
-          <p:cNvPr id="24" name="文本框 23"/>
-          <p:cNvSpPr txBox="1"/>
-          <p:nvPr/>
-        </p:nvSpPr>
-        <p:spPr>
-          <a:xfrm>
-            <a:off x="7172960" y="1671955"/>
-            <a:ext cx="1383030" cy="506730"/>
+            <a:off x="2016760" y="1843405"/>
+            <a:ext cx="5955030" cy="506730"/>
           </a:xfrm>
           <a:prstGeom prst="rect">
             <a:avLst/>
@@ -4398,13 +4164,8 @@
               <a:buChar char="l"/>
             </a:pPr>
             <a:r>
-              <a:rPr lang="zh-CN" dirty="0" smtClean="0">
-                <a:solidFill>
-                  <a:srgbClr val="4D402B"/>
-                </a:solidFill>
-                <a:sym typeface="+mn-ea"/>
-              </a:rPr>
-              <a:t>时间管理</a:t>
+              <a:rPr lang="zh-CN" altLang="en-US"/>
+              <a:t>摸清前端每个组员底细，了解性格、代码等各方面能力</a:t>
             </a:r>
             <a:endParaRPr lang="zh-CN" altLang="en-US"/>
           </a:p>
@@ -4412,14 +4173,14 @@
       </p:sp>
       <p:sp>
         <p:nvSpPr>
-          <p:cNvPr id="25" name="文本框 24"/>
+          <p:cNvPr id="4" name="文本框 3"/>
           <p:cNvSpPr txBox="1"/>
           <p:nvPr/>
         </p:nvSpPr>
         <p:spPr>
           <a:xfrm>
-            <a:off x="7172960" y="2352040"/>
-            <a:ext cx="1840230" cy="506730"/>
+            <a:off x="2016760" y="2839720"/>
+            <a:ext cx="3211830" cy="506730"/>
           </a:xfrm>
           <a:prstGeom prst="rect">
             <a:avLst/>
@@ -4448,7 +4209,7 @@
                 </a:solidFill>
                 <a:sym typeface="+mn-ea"/>
               </a:rPr>
-              <a:t>技术方案落地</a:t>
+              <a:t>制定计划逐步改善组内环境</a:t>
             </a:r>
             <a:endParaRPr lang="zh-CN" altLang="en-US"/>
           </a:p>
@@ -4456,14 +4217,14 @@
       </p:sp>
       <p:sp>
         <p:nvSpPr>
-          <p:cNvPr id="26" name="文本框 25"/>
+          <p:cNvPr id="5" name="文本框 4"/>
           <p:cNvSpPr txBox="1"/>
           <p:nvPr/>
         </p:nvSpPr>
         <p:spPr>
           <a:xfrm>
-            <a:off x="7172960" y="3023235"/>
-            <a:ext cx="1383030" cy="506730"/>
+            <a:off x="2016760" y="3829050"/>
+            <a:ext cx="3211830" cy="506730"/>
           </a:xfrm>
           <a:prstGeom prst="rect">
             <a:avLst/>
@@ -4486,142 +4247,15 @@
               <a:buChar char="l"/>
             </a:pPr>
             <a:r>
-              <a:rPr lang="zh-CN" altLang="en-US" dirty="0" smtClean="0">
+              <a:rPr lang="zh-CN" dirty="0" smtClean="0">
                 <a:solidFill>
                   <a:srgbClr val="4D402B"/>
                 </a:solidFill>
                 <a:sym typeface="+mn-ea"/>
               </a:rPr>
-              <a:t>业务理解</a:t>
-            </a:r>
-            <a:endParaRPr lang="zh-CN" altLang="en-US" dirty="0" smtClean="0">
-              <a:solidFill>
-                <a:srgbClr val="4D402B"/>
-              </a:solidFill>
-              <a:sym typeface="+mn-ea"/>
-            </a:endParaRPr>
-          </a:p>
-        </p:txBody>
-      </p:sp>
-      <p:sp>
-        <p:nvSpPr>
-          <p:cNvPr id="27" name="文本框 26"/>
-          <p:cNvSpPr txBox="1"/>
-          <p:nvPr/>
-        </p:nvSpPr>
-        <p:spPr>
-          <a:xfrm>
-            <a:off x="7172960" y="3695065"/>
-            <a:ext cx="1383030" cy="506730"/>
-          </a:xfrm>
-          <a:prstGeom prst="rect">
-            <a:avLst/>
-          </a:prstGeom>
-          <a:noFill/>
-        </p:spPr>
-        <p:txBody>
-          <a:bodyPr wrap="none" rtlCol="0" anchor="t">
-            <a:spAutoFit/>
-          </a:bodyPr>
-          <a:p>
-            <a:pPr marL="285750" indent="-285750" fontAlgn="auto">
-              <a:lnSpc>
-                <a:spcPct val="150000"/>
-              </a:lnSpc>
-              <a:buClr>
-                <a:srgbClr val="48A2A0"/>
-              </a:buClr>
-              <a:buFont typeface="Wingdings" panose="05000000000000000000" pitchFamily="2" charset="2"/>
-              <a:buChar char="l"/>
-            </a:pPr>
-            <a:r>
-              <a:rPr lang="zh-CN" altLang="en-US"/>
-              <a:t>管理手段</a:t>
-            </a:r>
-            <a:endParaRPr lang="zh-CN" altLang="en-US"/>
-          </a:p>
-        </p:txBody>
-      </p:sp>
-      <p:sp>
-        <p:nvSpPr>
-          <p:cNvPr id="28" name="文本框 27"/>
-          <p:cNvSpPr txBox="1"/>
-          <p:nvPr/>
-        </p:nvSpPr>
-        <p:spPr>
-          <a:xfrm>
-            <a:off x="7172960" y="4434205"/>
-            <a:ext cx="1383030" cy="506730"/>
-          </a:xfrm>
-          <a:prstGeom prst="rect">
-            <a:avLst/>
-          </a:prstGeom>
-          <a:noFill/>
-        </p:spPr>
-        <p:txBody>
-          <a:bodyPr wrap="none" rtlCol="0" anchor="t">
-            <a:spAutoFit/>
-          </a:bodyPr>
-          <a:p>
-            <a:pPr marL="285750" indent="-285750" fontAlgn="auto">
-              <a:lnSpc>
-                <a:spcPct val="150000"/>
-              </a:lnSpc>
-              <a:buClr>
-                <a:srgbClr val="48A2A0"/>
-              </a:buClr>
-              <a:buFont typeface="Wingdings" panose="05000000000000000000" pitchFamily="2" charset="2"/>
-              <a:buChar char="l"/>
-            </a:pPr>
-            <a:r>
-              <a:rPr lang="zh-CN" altLang="en-US"/>
-              <a:t>汇报方式</a:t>
-            </a:r>
-            <a:endParaRPr lang="zh-CN" altLang="en-US"/>
-          </a:p>
-        </p:txBody>
-      </p:sp>
-      <p:sp>
-        <p:nvSpPr>
-          <p:cNvPr id="29" name="文本框 28"/>
-          <p:cNvSpPr txBox="1"/>
-          <p:nvPr/>
-        </p:nvSpPr>
-        <p:spPr>
-          <a:xfrm>
-            <a:off x="7172960" y="5173980"/>
-            <a:ext cx="1383030" cy="506730"/>
-          </a:xfrm>
-          <a:prstGeom prst="rect">
-            <a:avLst/>
-          </a:prstGeom>
-          <a:noFill/>
-        </p:spPr>
-        <p:txBody>
-          <a:bodyPr wrap="none" rtlCol="0" anchor="t">
-            <a:spAutoFit/>
-          </a:bodyPr>
-          <a:p>
-            <a:pPr marL="285750" indent="-285750" fontAlgn="auto">
-              <a:lnSpc>
-                <a:spcPct val="150000"/>
-              </a:lnSpc>
-              <a:buClr>
-                <a:srgbClr val="48A2A0"/>
-              </a:buClr>
-              <a:buFont typeface="Wingdings" panose="05000000000000000000" pitchFamily="2" charset="2"/>
-              <a:buChar char="l"/>
-            </a:pPr>
-            <a:r>
-              <a:rPr lang="zh-CN" altLang="en-US" dirty="0" smtClean="0">
-                <a:solidFill>
-                  <a:srgbClr val="4D402B"/>
-                </a:solidFill>
-                <a:sym typeface="+mn-ea"/>
-              </a:rPr>
-              <a:t>思维拓展</a:t>
-            </a:r>
-            <a:endParaRPr lang="zh-CN" altLang="en-US" dirty="0" smtClean="0">
+              <a:t>处理完不成任务还捣乱的人</a:t>
+            </a:r>
+            <a:endParaRPr lang="zh-CN" dirty="0" smtClean="0">
               <a:solidFill>
                 <a:srgbClr val="4D402B"/>
               </a:solidFill>
@@ -4767,7 +4401,7 @@
         <p:spPr>
           <a:xfrm>
             <a:off x="1344023" y="400723"/>
-            <a:ext cx="2722880" cy="398780"/>
+            <a:ext cx="1706880" cy="398780"/>
           </a:xfrm>
           <a:prstGeom prst="rect">
             <a:avLst/>
@@ -4779,7 +4413,6 @@
           </a:bodyPr>
           <a:lstStyle/>
           <a:p>
-            <a:pPr algn="l"/>
             <a:r>
               <a:rPr lang="zh-CN" altLang="en-US" sz="2000" b="1" dirty="0">
                 <a:solidFill>
@@ -4788,9 +4421,8 @@
                     <a:lumOff val="25000"/>
                   </a:schemeClr>
                 </a:solidFill>
-                <a:sym typeface="+mn-ea"/>
-              </a:rPr>
-              <a:t>《前端深水区怎么走》</a:t>
+              </a:rPr>
+              <a:t>我下一步发展</a:t>
             </a:r>
             <a:endParaRPr lang="zh-CN" altLang="en-US" sz="2000" b="1" dirty="0">
               <a:solidFill>
@@ -4847,14 +4479,272 @@
       </p:sp>
       <p:sp>
         <p:nvSpPr>
-          <p:cNvPr id="2" name="文本框 1"/>
+          <p:cNvPr id="6" name="椭圆 5"/>
+          <p:cNvSpPr/>
+          <p:nvPr/>
+        </p:nvSpPr>
+        <p:spPr>
+          <a:xfrm>
+            <a:off x="1621790" y="3201670"/>
+            <a:ext cx="2479040" cy="2479040"/>
+          </a:xfrm>
+          <a:prstGeom prst="ellipse">
+            <a:avLst/>
+          </a:prstGeom>
+          <a:solidFill>
+            <a:srgbClr val="0070C0">
+              <a:alpha val="33000"/>
+            </a:srgbClr>
+          </a:solidFill>
+          <a:ln>
+            <a:noFill/>
+          </a:ln>
+        </p:spPr>
+        <p:style>
+          <a:lnRef idx="2">
+            <a:schemeClr val="accent1">
+              <a:shade val="50000"/>
+            </a:schemeClr>
+          </a:lnRef>
+          <a:fillRef idx="1">
+            <a:schemeClr val="accent1"/>
+          </a:fillRef>
+          <a:effectRef idx="0">
+            <a:schemeClr val="accent1"/>
+          </a:effectRef>
+          <a:fontRef idx="minor">
+            <a:schemeClr val="lt1"/>
+          </a:fontRef>
+        </p:style>
+        <p:txBody>
+          <a:bodyPr rtlCol="0" anchor="ctr"/>
+          <a:p>
+            <a:pPr algn="ctr"/>
+            <a:endParaRPr lang="zh-CN" altLang="en-US"/>
+          </a:p>
+        </p:txBody>
+      </p:sp>
+      <p:sp>
+        <p:nvSpPr>
+          <p:cNvPr id="9" name="椭圆 8"/>
+          <p:cNvSpPr/>
+          <p:nvPr/>
+        </p:nvSpPr>
+        <p:spPr>
+          <a:xfrm>
+            <a:off x="3572510" y="3201670"/>
+            <a:ext cx="2479040" cy="2479040"/>
+          </a:xfrm>
+          <a:prstGeom prst="ellipse">
+            <a:avLst/>
+          </a:prstGeom>
+          <a:solidFill>
+            <a:srgbClr val="6C92C0">
+              <a:alpha val="70000"/>
+            </a:srgbClr>
+          </a:solidFill>
+          <a:ln>
+            <a:noFill/>
+          </a:ln>
+        </p:spPr>
+        <p:style>
+          <a:lnRef idx="2">
+            <a:schemeClr val="accent1">
+              <a:shade val="50000"/>
+            </a:schemeClr>
+          </a:lnRef>
+          <a:fillRef idx="1">
+            <a:schemeClr val="accent1"/>
+          </a:fillRef>
+          <a:effectRef idx="0">
+            <a:schemeClr val="accent1"/>
+          </a:effectRef>
+          <a:fontRef idx="minor">
+            <a:schemeClr val="lt1"/>
+          </a:fontRef>
+        </p:style>
+        <p:txBody>
+          <a:bodyPr rtlCol="0" anchor="ctr"/>
+          <a:p>
+            <a:pPr algn="ctr"/>
+            <a:endParaRPr lang="zh-CN" altLang="en-US"/>
+          </a:p>
+        </p:txBody>
+      </p:sp>
+      <p:sp>
+        <p:nvSpPr>
+          <p:cNvPr id="11" name="椭圆 10"/>
+          <p:cNvSpPr/>
+          <p:nvPr/>
+        </p:nvSpPr>
+        <p:spPr>
+          <a:xfrm>
+            <a:off x="2597150" y="1671638"/>
+            <a:ext cx="2479040" cy="2479040"/>
+          </a:xfrm>
+          <a:prstGeom prst="ellipse">
+            <a:avLst/>
+          </a:prstGeom>
+          <a:solidFill>
+            <a:srgbClr val="48A2A0">
+              <a:alpha val="70000"/>
+            </a:srgbClr>
+          </a:solidFill>
+          <a:ln>
+            <a:noFill/>
+          </a:ln>
+        </p:spPr>
+        <p:style>
+          <a:lnRef idx="2">
+            <a:schemeClr val="accent1">
+              <a:shade val="50000"/>
+            </a:schemeClr>
+          </a:lnRef>
+          <a:fillRef idx="1">
+            <a:schemeClr val="accent1"/>
+          </a:fillRef>
+          <a:effectRef idx="0">
+            <a:schemeClr val="accent1"/>
+          </a:effectRef>
+          <a:fontRef idx="minor">
+            <a:schemeClr val="lt1"/>
+          </a:fontRef>
+        </p:style>
+        <p:txBody>
+          <a:bodyPr rtlCol="0" anchor="ctr"/>
+          <a:p>
+            <a:pPr algn="ctr"/>
+            <a:endParaRPr lang="zh-CN" altLang="en-US"/>
+          </a:p>
+        </p:txBody>
+      </p:sp>
+      <p:sp>
+        <p:nvSpPr>
+          <p:cNvPr id="13" name="文本框 12"/>
           <p:cNvSpPr txBox="1"/>
           <p:nvPr/>
         </p:nvSpPr>
         <p:spPr>
           <a:xfrm>
-            <a:off x="2016760" y="1507490"/>
-            <a:ext cx="4583430" cy="506730"/>
+            <a:off x="2999527" y="2554744"/>
+            <a:ext cx="1808480" cy="583565"/>
+          </a:xfrm>
+          <a:prstGeom prst="rect">
+            <a:avLst/>
+          </a:prstGeom>
+          <a:noFill/>
+        </p:spPr>
+        <p:txBody>
+          <a:bodyPr wrap="none" rtlCol="0">
+            <a:spAutoFit/>
+          </a:bodyPr>
+          <a:p>
+            <a:r>
+              <a:rPr lang="zh-CN" sz="3200" dirty="0">
+                <a:solidFill>
+                  <a:schemeClr val="bg1"/>
+                </a:solidFill>
+                <a:latin typeface="+mj-lt"/>
+              </a:rPr>
+              <a:t>知识体系</a:t>
+            </a:r>
+            <a:endParaRPr lang="zh-CN" sz="3200" dirty="0">
+              <a:solidFill>
+                <a:schemeClr val="bg1"/>
+              </a:solidFill>
+              <a:latin typeface="+mj-lt"/>
+            </a:endParaRPr>
+          </a:p>
+        </p:txBody>
+      </p:sp>
+      <p:sp>
+        <p:nvSpPr>
+          <p:cNvPr id="15" name="文本框 14"/>
+          <p:cNvSpPr txBox="1"/>
+          <p:nvPr/>
+        </p:nvSpPr>
+        <p:spPr>
+          <a:xfrm>
+            <a:off x="2363257" y="4173994"/>
+            <a:ext cx="995680" cy="583565"/>
+          </a:xfrm>
+          <a:prstGeom prst="rect">
+            <a:avLst/>
+          </a:prstGeom>
+          <a:noFill/>
+        </p:spPr>
+        <p:txBody>
+          <a:bodyPr wrap="none" rtlCol="0">
+            <a:spAutoFit/>
+          </a:bodyPr>
+          <a:p>
+            <a:r>
+              <a:rPr lang="zh-CN" sz="3200" dirty="0">
+                <a:solidFill>
+                  <a:schemeClr val="bg1"/>
+                </a:solidFill>
+                <a:latin typeface="+mj-lt"/>
+              </a:rPr>
+              <a:t>困境</a:t>
+            </a:r>
+            <a:endParaRPr lang="zh-CN" sz="3200" dirty="0">
+              <a:solidFill>
+                <a:schemeClr val="bg1"/>
+              </a:solidFill>
+              <a:latin typeface="+mj-lt"/>
+            </a:endParaRPr>
+          </a:p>
+        </p:txBody>
+      </p:sp>
+      <p:sp>
+        <p:nvSpPr>
+          <p:cNvPr id="22" name="文本框 21"/>
+          <p:cNvSpPr txBox="1"/>
+          <p:nvPr/>
+        </p:nvSpPr>
+        <p:spPr>
+          <a:xfrm>
+            <a:off x="4244127" y="4201934"/>
+            <a:ext cx="1402080" cy="583565"/>
+          </a:xfrm>
+          <a:prstGeom prst="rect">
+            <a:avLst/>
+          </a:prstGeom>
+          <a:noFill/>
+        </p:spPr>
+        <p:txBody>
+          <a:bodyPr wrap="none" rtlCol="0">
+            <a:spAutoFit/>
+          </a:bodyPr>
+          <a:p>
+            <a:r>
+              <a:rPr lang="zh-CN" sz="3200" dirty="0">
+                <a:solidFill>
+                  <a:schemeClr val="bg1"/>
+                </a:solidFill>
+                <a:latin typeface="+mj-lt"/>
+              </a:rPr>
+              <a:t>方法论</a:t>
+            </a:r>
+            <a:endParaRPr lang="zh-CN" sz="3200" dirty="0">
+              <a:solidFill>
+                <a:schemeClr val="bg1"/>
+              </a:solidFill>
+              <a:latin typeface="+mj-lt"/>
+            </a:endParaRPr>
+          </a:p>
+        </p:txBody>
+      </p:sp>
+      <p:sp>
+        <p:nvSpPr>
+          <p:cNvPr id="24" name="文本框 23"/>
+          <p:cNvSpPr txBox="1"/>
+          <p:nvPr/>
+        </p:nvSpPr>
+        <p:spPr>
+          <a:xfrm>
+            <a:off x="7172960" y="1671955"/>
+            <a:ext cx="1383030" cy="506730"/>
           </a:xfrm>
           <a:prstGeom prst="rect">
             <a:avLst/>
@@ -4866,7 +4756,7 @@
             <a:spAutoFit/>
           </a:bodyPr>
           <a:p>
-            <a:pPr marL="285750" indent="-285750" algn="l" fontAlgn="auto">
+            <a:pPr marL="285750" indent="-285750" fontAlgn="auto">
               <a:lnSpc>
                 <a:spcPct val="150000"/>
               </a:lnSpc>
@@ -4883,27 +4773,22 @@
                 </a:solidFill>
                 <a:sym typeface="+mn-ea"/>
               </a:rPr>
-              <a:t>《第一期：能落地的前端团队管理经验》</a:t>
-            </a:r>
-            <a:endParaRPr lang="zh-CN" dirty="0" smtClean="0">
-              <a:solidFill>
-                <a:srgbClr val="4D402B"/>
-              </a:solidFill>
-              <a:sym typeface="+mn-ea"/>
-            </a:endParaRPr>
-          </a:p>
-        </p:txBody>
-      </p:sp>
-      <p:sp>
-        <p:nvSpPr>
-          <p:cNvPr id="4" name="文本框 3"/>
+              <a:t>时间管理</a:t>
+            </a:r>
+            <a:endParaRPr lang="zh-CN" altLang="en-US"/>
+          </a:p>
+        </p:txBody>
+      </p:sp>
+      <p:sp>
+        <p:nvSpPr>
+          <p:cNvPr id="25" name="文本框 24"/>
           <p:cNvSpPr txBox="1"/>
           <p:nvPr/>
         </p:nvSpPr>
         <p:spPr>
           <a:xfrm>
-            <a:off x="2016760" y="2190750"/>
-            <a:ext cx="4812030" cy="506730"/>
+            <a:off x="7172960" y="2352040"/>
+            <a:ext cx="1840230" cy="506730"/>
           </a:xfrm>
           <a:prstGeom prst="rect">
             <a:avLst/>
@@ -4915,7 +4800,7 @@
             <a:spAutoFit/>
           </a:bodyPr>
           <a:p>
-            <a:pPr marL="285750" indent="-285750" algn="l" fontAlgn="auto">
+            <a:pPr marL="285750" indent="-285750" fontAlgn="auto">
               <a:lnSpc>
                 <a:spcPct val="150000"/>
               </a:lnSpc>
@@ -4932,27 +4817,22 @@
                 </a:solidFill>
                 <a:sym typeface="+mn-ea"/>
               </a:rPr>
-              <a:t>《第二期：适合公司业务的基础框架讲解》</a:t>
-            </a:r>
-            <a:endParaRPr lang="zh-CN" dirty="0" smtClean="0">
-              <a:solidFill>
-                <a:srgbClr val="4D402B"/>
-              </a:solidFill>
-              <a:sym typeface="+mn-ea"/>
-            </a:endParaRPr>
-          </a:p>
-        </p:txBody>
-      </p:sp>
-      <p:sp>
-        <p:nvSpPr>
-          <p:cNvPr id="5" name="文本框 4"/>
+              <a:t>技术方案落地</a:t>
+            </a:r>
+            <a:endParaRPr lang="zh-CN" altLang="en-US"/>
+          </a:p>
+        </p:txBody>
+      </p:sp>
+      <p:sp>
+        <p:nvSpPr>
+          <p:cNvPr id="26" name="文本框 25"/>
           <p:cNvSpPr txBox="1"/>
           <p:nvPr/>
         </p:nvSpPr>
         <p:spPr>
           <a:xfrm>
-            <a:off x="2016760" y="2870835"/>
-            <a:ext cx="8241030" cy="506730"/>
+            <a:off x="7172960" y="3023235"/>
+            <a:ext cx="1383030" cy="506730"/>
           </a:xfrm>
           <a:prstGeom prst="rect">
             <a:avLst/>
@@ -4964,7 +4844,7 @@
             <a:spAutoFit/>
           </a:bodyPr>
           <a:p>
-            <a:pPr marL="285750" indent="-285750" algn="l" fontAlgn="auto">
+            <a:pPr marL="285750" indent="-285750" fontAlgn="auto">
               <a:lnSpc>
                 <a:spcPct val="150000"/>
               </a:lnSpc>
@@ -4975,33 +4855,15 @@
               <a:buChar char="l"/>
             </a:pPr>
             <a:r>
-              <a:rPr dirty="0" smtClean="0">
+              <a:rPr lang="zh-CN" altLang="en-US" dirty="0" smtClean="0">
                 <a:solidFill>
                   <a:srgbClr val="4D402B"/>
                 </a:solidFill>
                 <a:sym typeface="+mn-ea"/>
               </a:rPr>
-              <a:t>《</a:t>
-            </a:r>
-            <a:r>
-              <a:rPr lang="zh-CN" dirty="0" smtClean="0">
-                <a:solidFill>
-                  <a:srgbClr val="4D402B"/>
-                </a:solidFill>
-                <a:sym typeface="+mn-ea"/>
-              </a:rPr>
-              <a:t>第三期：</a:t>
-            </a:r>
-            <a:r>
-              <a:rPr dirty="0" smtClean="0">
-                <a:solidFill>
-                  <a:srgbClr val="4D402B"/>
-                </a:solidFill>
-                <a:sym typeface="+mn-ea"/>
-              </a:rPr>
-              <a:t>带你一起实现文档化、组件化、模板化、自动化、监控体系建设》</a:t>
-            </a:r>
-            <a:endParaRPr dirty="0" smtClean="0">
+              <a:t>业务理解</a:t>
+            </a:r>
+            <a:endParaRPr lang="zh-CN" altLang="en-US" dirty="0" smtClean="0">
               <a:solidFill>
                 <a:srgbClr val="4D402B"/>
               </a:solidFill>
@@ -5012,14 +4874,14 @@
       </p:sp>
       <p:sp>
         <p:nvSpPr>
-          <p:cNvPr id="3" name="文本框 2"/>
+          <p:cNvPr id="27" name="文本框 26"/>
           <p:cNvSpPr txBox="1"/>
           <p:nvPr/>
         </p:nvSpPr>
         <p:spPr>
           <a:xfrm>
-            <a:off x="2016760" y="3551555"/>
-            <a:ext cx="4679315" cy="506730"/>
+            <a:off x="7172960" y="3695065"/>
+            <a:ext cx="1383030" cy="506730"/>
           </a:xfrm>
           <a:prstGeom prst="rect">
             <a:avLst/>
@@ -5031,7 +4893,7 @@
             <a:spAutoFit/>
           </a:bodyPr>
           <a:p>
-            <a:pPr marL="285750" indent="-285750" algn="l" fontAlgn="auto">
+            <a:pPr marL="285750" indent="-285750" fontAlgn="auto">
               <a:lnSpc>
                 <a:spcPct val="150000"/>
               </a:lnSpc>
@@ -5042,33 +4904,23 @@
               <a:buChar char="l"/>
             </a:pPr>
             <a:r>
-              <a:rPr lang="zh-CN" dirty="0" smtClean="0">
-                <a:solidFill>
-                  <a:srgbClr val="4D402B"/>
-                </a:solidFill>
-                <a:sym typeface="+mn-ea"/>
-              </a:rPr>
-              <a:t>《第四期：跟我一起研究微前端qiankun》</a:t>
-            </a:r>
-            <a:endParaRPr lang="zh-CN" dirty="0" smtClean="0">
-              <a:solidFill>
-                <a:srgbClr val="4D402B"/>
-              </a:solidFill>
-              <a:sym typeface="+mn-ea"/>
-            </a:endParaRPr>
-          </a:p>
-        </p:txBody>
-      </p:sp>
-      <p:sp>
-        <p:nvSpPr>
-          <p:cNvPr id="6" name="文本框 5"/>
+              <a:rPr lang="zh-CN" altLang="en-US"/>
+              <a:t>管理手段</a:t>
+            </a:r>
+            <a:endParaRPr lang="zh-CN" altLang="en-US"/>
+          </a:p>
+        </p:txBody>
+      </p:sp>
+      <p:sp>
+        <p:nvSpPr>
+          <p:cNvPr id="28" name="文本框 27"/>
           <p:cNvSpPr txBox="1"/>
           <p:nvPr/>
         </p:nvSpPr>
         <p:spPr>
           <a:xfrm>
-            <a:off x="2016760" y="4234815"/>
-            <a:ext cx="5955030" cy="506730"/>
+            <a:off x="7172960" y="4434205"/>
+            <a:ext cx="1383030" cy="506730"/>
           </a:xfrm>
           <a:prstGeom prst="rect">
             <a:avLst/>
@@ -5080,7 +4932,7 @@
             <a:spAutoFit/>
           </a:bodyPr>
           <a:p>
-            <a:pPr marL="285750" indent="-285750" algn="l" fontAlgn="auto">
+            <a:pPr marL="285750" indent="-285750" fontAlgn="auto">
               <a:lnSpc>
                 <a:spcPct val="150000"/>
               </a:lnSpc>
@@ -5091,33 +4943,23 @@
               <a:buChar char="l"/>
             </a:pPr>
             <a:r>
-              <a:rPr lang="zh-CN" dirty="0" smtClean="0">
-                <a:solidFill>
-                  <a:srgbClr val="4D402B"/>
-                </a:solidFill>
-                <a:sym typeface="+mn-ea"/>
-              </a:rPr>
-              <a:t>《第五期：微前端在我们公司的实际项目中如何落地》</a:t>
-            </a:r>
-            <a:endParaRPr lang="zh-CN" dirty="0" smtClean="0">
-              <a:solidFill>
-                <a:srgbClr val="4D402B"/>
-              </a:solidFill>
-              <a:sym typeface="+mn-ea"/>
-            </a:endParaRPr>
-          </a:p>
-        </p:txBody>
-      </p:sp>
-      <p:sp>
-        <p:nvSpPr>
-          <p:cNvPr id="7" name="文本框 6"/>
+              <a:rPr lang="zh-CN" altLang="en-US"/>
+              <a:t>汇报方式</a:t>
+            </a:r>
+            <a:endParaRPr lang="zh-CN" altLang="en-US"/>
+          </a:p>
+        </p:txBody>
+      </p:sp>
+      <p:sp>
+        <p:nvSpPr>
+          <p:cNvPr id="29" name="文本框 28"/>
           <p:cNvSpPr txBox="1"/>
           <p:nvPr/>
         </p:nvSpPr>
         <p:spPr>
           <a:xfrm>
-            <a:off x="2016760" y="4914900"/>
-            <a:ext cx="5726430" cy="506730"/>
+            <a:off x="7172960" y="5173980"/>
+            <a:ext cx="1383030" cy="506730"/>
           </a:xfrm>
           <a:prstGeom prst="rect">
             <a:avLst/>
@@ -5129,7 +4971,7 @@
             <a:spAutoFit/>
           </a:bodyPr>
           <a:p>
-            <a:pPr marL="285750" indent="-285750" algn="l" fontAlgn="auto">
+            <a:pPr marL="285750" indent="-285750" fontAlgn="auto">
               <a:lnSpc>
                 <a:spcPct val="150000"/>
               </a:lnSpc>
@@ -5140,33 +4982,15 @@
               <a:buChar char="l"/>
             </a:pPr>
             <a:r>
-              <a:rPr dirty="0" smtClean="0">
+              <a:rPr lang="zh-CN" altLang="en-US" dirty="0" smtClean="0">
                 <a:solidFill>
                   <a:srgbClr val="4D402B"/>
                 </a:solidFill>
                 <a:sym typeface="+mn-ea"/>
               </a:rPr>
-              <a:t>《</a:t>
-            </a:r>
-            <a:r>
-              <a:rPr lang="zh-CN" dirty="0" smtClean="0">
-                <a:solidFill>
-                  <a:srgbClr val="4D402B"/>
-                </a:solidFill>
-                <a:sym typeface="+mn-ea"/>
-              </a:rPr>
-              <a:t>第六期：</a:t>
-            </a:r>
-            <a:r>
-              <a:rPr dirty="0" smtClean="0">
-                <a:solidFill>
-                  <a:srgbClr val="4D402B"/>
-                </a:solidFill>
-                <a:sym typeface="+mn-ea"/>
-              </a:rPr>
-              <a:t>最终梳理，看看进入深水区之后怎么办》</a:t>
-            </a:r>
-            <a:endParaRPr dirty="0" smtClean="0">
+              <a:t>思维拓展</a:t>
+            </a:r>
+            <a:endParaRPr lang="zh-CN" altLang="en-US" dirty="0" smtClean="0">
               <a:solidFill>
                 <a:srgbClr val="4D402B"/>
               </a:solidFill>
@@ -5191,6 +5015,551 @@
 </file>
 
 <file path=ppt/slides/slide15.xml><?xml version="1.0" encoding="utf-8"?>
+<p:sld xmlns:a="http://schemas.openxmlformats.org/drawingml/2006/main" xmlns:r="http://schemas.openxmlformats.org/officeDocument/2006/relationships" xmlns:p="http://schemas.openxmlformats.org/presentationml/2006/main">
+  <p:cSld>
+    <p:spTree>
+      <p:nvGrpSpPr>
+        <p:cNvPr id="1" name=""/>
+        <p:cNvGrpSpPr/>
+        <p:nvPr/>
+      </p:nvGrpSpPr>
+      <p:grpSpPr>
+        <a:xfrm>
+          <a:off x="0" y="0"/>
+          <a:ext cx="0" cy="0"/>
+          <a:chOff x="0" y="0"/>
+          <a:chExt cx="0" cy="0"/>
+        </a:xfrm>
+      </p:grpSpPr>
+      <p:sp>
+        <p:nvSpPr>
+          <p:cNvPr id="17" name="椭圆 16"/>
+          <p:cNvSpPr/>
+          <p:nvPr/>
+        </p:nvSpPr>
+        <p:spPr>
+          <a:xfrm>
+            <a:off x="-1226820" y="-1346917"/>
+            <a:ext cx="2453640" cy="2453640"/>
+          </a:xfrm>
+          <a:prstGeom prst="ellipse">
+            <a:avLst/>
+          </a:prstGeom>
+          <a:solidFill>
+            <a:srgbClr val="48A2A0">
+              <a:alpha val="70000"/>
+            </a:srgbClr>
+          </a:solidFill>
+          <a:ln>
+            <a:noFill/>
+          </a:ln>
+        </p:spPr>
+        <p:style>
+          <a:lnRef idx="2">
+            <a:schemeClr val="accent1">
+              <a:shade val="50000"/>
+            </a:schemeClr>
+          </a:lnRef>
+          <a:fillRef idx="1">
+            <a:schemeClr val="accent1"/>
+          </a:fillRef>
+          <a:effectRef idx="0">
+            <a:schemeClr val="accent1"/>
+          </a:effectRef>
+          <a:fontRef idx="minor">
+            <a:schemeClr val="lt1"/>
+          </a:fontRef>
+        </p:style>
+        <p:txBody>
+          <a:bodyPr rtlCol="0" anchor="ctr"/>
+          <a:lstStyle/>
+          <a:p>
+            <a:pPr algn="ctr"/>
+            <a:endParaRPr lang="zh-CN" altLang="en-US"/>
+          </a:p>
+        </p:txBody>
+      </p:sp>
+      <p:sp>
+        <p:nvSpPr>
+          <p:cNvPr id="18" name="椭圆 17"/>
+          <p:cNvSpPr/>
+          <p:nvPr/>
+        </p:nvSpPr>
+        <p:spPr>
+          <a:xfrm>
+            <a:off x="434235" y="314138"/>
+            <a:ext cx="792585" cy="792585"/>
+          </a:xfrm>
+          <a:prstGeom prst="ellipse">
+            <a:avLst/>
+          </a:prstGeom>
+          <a:solidFill>
+            <a:srgbClr val="6C92C0">
+              <a:alpha val="70000"/>
+            </a:srgbClr>
+          </a:solidFill>
+          <a:ln>
+            <a:noFill/>
+          </a:ln>
+        </p:spPr>
+        <p:style>
+          <a:lnRef idx="2">
+            <a:schemeClr val="accent1">
+              <a:shade val="50000"/>
+            </a:schemeClr>
+          </a:lnRef>
+          <a:fillRef idx="1">
+            <a:schemeClr val="accent1"/>
+          </a:fillRef>
+          <a:effectRef idx="0">
+            <a:schemeClr val="accent1"/>
+          </a:effectRef>
+          <a:fontRef idx="minor">
+            <a:schemeClr val="lt1"/>
+          </a:fontRef>
+        </p:style>
+        <p:txBody>
+          <a:bodyPr rtlCol="0" anchor="ctr"/>
+          <a:lstStyle/>
+          <a:p>
+            <a:pPr algn="ctr"/>
+            <a:endParaRPr lang="zh-CN" altLang="en-US"/>
+          </a:p>
+        </p:txBody>
+      </p:sp>
+      <p:sp>
+        <p:nvSpPr>
+          <p:cNvPr id="20" name="矩形 19"/>
+          <p:cNvSpPr/>
+          <p:nvPr/>
+        </p:nvSpPr>
+        <p:spPr>
+          <a:xfrm>
+            <a:off x="1344023" y="400723"/>
+            <a:ext cx="2722880" cy="398780"/>
+          </a:xfrm>
+          <a:prstGeom prst="rect">
+            <a:avLst/>
+          </a:prstGeom>
+        </p:spPr>
+        <p:txBody>
+          <a:bodyPr wrap="none">
+            <a:spAutoFit/>
+          </a:bodyPr>
+          <a:lstStyle/>
+          <a:p>
+            <a:pPr algn="l"/>
+            <a:r>
+              <a:rPr lang="zh-CN" altLang="en-US" sz="2000" b="1" dirty="0">
+                <a:solidFill>
+                  <a:schemeClr val="tx1">
+                    <a:lumMod val="75000"/>
+                    <a:lumOff val="25000"/>
+                  </a:schemeClr>
+                </a:solidFill>
+                <a:sym typeface="+mn-ea"/>
+              </a:rPr>
+              <a:t>《前端深水区怎么走》</a:t>
+            </a:r>
+            <a:endParaRPr lang="zh-CN" altLang="en-US" sz="2000" b="1" dirty="0">
+              <a:solidFill>
+                <a:schemeClr val="tx1">
+                  <a:lumMod val="75000"/>
+                  <a:lumOff val="25000"/>
+                </a:schemeClr>
+              </a:solidFill>
+            </a:endParaRPr>
+          </a:p>
+        </p:txBody>
+      </p:sp>
+      <p:sp>
+        <p:nvSpPr>
+          <p:cNvPr id="21" name="矩形 20"/>
+          <p:cNvSpPr/>
+          <p:nvPr/>
+        </p:nvSpPr>
+        <p:spPr>
+          <a:xfrm>
+            <a:off x="1344023" y="799251"/>
+            <a:ext cx="1719580" cy="260350"/>
+          </a:xfrm>
+          <a:prstGeom prst="rect">
+            <a:avLst/>
+          </a:prstGeom>
+        </p:spPr>
+        <p:txBody>
+          <a:bodyPr wrap="none">
+            <a:spAutoFit/>
+          </a:bodyPr>
+          <a:lstStyle/>
+          <a:p>
+            <a:pPr algn="l"/>
+            <a:r>
+              <a:rPr lang="zh-CN" altLang="en-US" sz="1100" dirty="0">
+                <a:solidFill>
+                  <a:schemeClr val="bg1">
+                    <a:lumMod val="50000"/>
+                  </a:schemeClr>
+                </a:solidFill>
+              </a:rPr>
+              <a:t>可落地的团队管理方法论</a:t>
+            </a:r>
+            <a:endParaRPr lang="zh-CN" altLang="en-US" sz="1100" dirty="0">
+              <a:solidFill>
+                <a:schemeClr val="bg1">
+                  <a:lumMod val="50000"/>
+                </a:schemeClr>
+              </a:solidFill>
+            </a:endParaRPr>
+          </a:p>
+        </p:txBody>
+      </p:sp>
+      <p:sp>
+        <p:nvSpPr>
+          <p:cNvPr id="2" name="文本框 1"/>
+          <p:cNvSpPr txBox="1"/>
+          <p:nvPr/>
+        </p:nvSpPr>
+        <p:spPr>
+          <a:xfrm>
+            <a:off x="2016760" y="1507490"/>
+            <a:ext cx="4583430" cy="506730"/>
+          </a:xfrm>
+          <a:prstGeom prst="rect">
+            <a:avLst/>
+          </a:prstGeom>
+          <a:noFill/>
+        </p:spPr>
+        <p:txBody>
+          <a:bodyPr wrap="none" rtlCol="0" anchor="t">
+            <a:spAutoFit/>
+          </a:bodyPr>
+          <a:p>
+            <a:pPr marL="285750" indent="-285750" algn="l" fontAlgn="auto">
+              <a:lnSpc>
+                <a:spcPct val="150000"/>
+              </a:lnSpc>
+              <a:buClr>
+                <a:srgbClr val="48A2A0"/>
+              </a:buClr>
+              <a:buFont typeface="Wingdings" panose="05000000000000000000" pitchFamily="2" charset="2"/>
+              <a:buChar char="l"/>
+            </a:pPr>
+            <a:r>
+              <a:rPr lang="zh-CN" dirty="0" smtClean="0">
+                <a:solidFill>
+                  <a:srgbClr val="4D402B"/>
+                </a:solidFill>
+                <a:sym typeface="+mn-ea"/>
+              </a:rPr>
+              <a:t>《第一期：能落地的前端团队管理经验》</a:t>
+            </a:r>
+            <a:endParaRPr lang="zh-CN" dirty="0" smtClean="0">
+              <a:solidFill>
+                <a:srgbClr val="4D402B"/>
+              </a:solidFill>
+              <a:sym typeface="+mn-ea"/>
+            </a:endParaRPr>
+          </a:p>
+        </p:txBody>
+      </p:sp>
+      <p:sp>
+        <p:nvSpPr>
+          <p:cNvPr id="4" name="文本框 3"/>
+          <p:cNvSpPr txBox="1"/>
+          <p:nvPr/>
+        </p:nvSpPr>
+        <p:spPr>
+          <a:xfrm>
+            <a:off x="2016760" y="2190750"/>
+            <a:ext cx="4812030" cy="506730"/>
+          </a:xfrm>
+          <a:prstGeom prst="rect">
+            <a:avLst/>
+          </a:prstGeom>
+          <a:noFill/>
+        </p:spPr>
+        <p:txBody>
+          <a:bodyPr wrap="none" rtlCol="0" anchor="t">
+            <a:spAutoFit/>
+          </a:bodyPr>
+          <a:p>
+            <a:pPr marL="285750" indent="-285750" algn="l" fontAlgn="auto">
+              <a:lnSpc>
+                <a:spcPct val="150000"/>
+              </a:lnSpc>
+              <a:buClr>
+                <a:srgbClr val="48A2A0"/>
+              </a:buClr>
+              <a:buFont typeface="Wingdings" panose="05000000000000000000" pitchFamily="2" charset="2"/>
+              <a:buChar char="l"/>
+            </a:pPr>
+            <a:r>
+              <a:rPr lang="zh-CN" dirty="0" smtClean="0">
+                <a:solidFill>
+                  <a:srgbClr val="4D402B"/>
+                </a:solidFill>
+                <a:sym typeface="+mn-ea"/>
+              </a:rPr>
+              <a:t>《第二期：适合公司业务的基础框架讲解》</a:t>
+            </a:r>
+            <a:endParaRPr lang="zh-CN" dirty="0" smtClean="0">
+              <a:solidFill>
+                <a:srgbClr val="4D402B"/>
+              </a:solidFill>
+              <a:sym typeface="+mn-ea"/>
+            </a:endParaRPr>
+          </a:p>
+        </p:txBody>
+      </p:sp>
+      <p:sp>
+        <p:nvSpPr>
+          <p:cNvPr id="5" name="文本框 4"/>
+          <p:cNvSpPr txBox="1"/>
+          <p:nvPr/>
+        </p:nvSpPr>
+        <p:spPr>
+          <a:xfrm>
+            <a:off x="2016760" y="2870835"/>
+            <a:ext cx="8241030" cy="506730"/>
+          </a:xfrm>
+          <a:prstGeom prst="rect">
+            <a:avLst/>
+          </a:prstGeom>
+          <a:noFill/>
+        </p:spPr>
+        <p:txBody>
+          <a:bodyPr wrap="none" rtlCol="0" anchor="t">
+            <a:spAutoFit/>
+          </a:bodyPr>
+          <a:p>
+            <a:pPr marL="285750" indent="-285750" algn="l" fontAlgn="auto">
+              <a:lnSpc>
+                <a:spcPct val="150000"/>
+              </a:lnSpc>
+              <a:buClr>
+                <a:srgbClr val="48A2A0"/>
+              </a:buClr>
+              <a:buFont typeface="Wingdings" panose="05000000000000000000" pitchFamily="2" charset="2"/>
+              <a:buChar char="l"/>
+            </a:pPr>
+            <a:r>
+              <a:rPr dirty="0" smtClean="0">
+                <a:solidFill>
+                  <a:srgbClr val="4D402B"/>
+                </a:solidFill>
+                <a:sym typeface="+mn-ea"/>
+              </a:rPr>
+              <a:t>《</a:t>
+            </a:r>
+            <a:r>
+              <a:rPr lang="zh-CN" dirty="0" smtClean="0">
+                <a:solidFill>
+                  <a:srgbClr val="4D402B"/>
+                </a:solidFill>
+                <a:sym typeface="+mn-ea"/>
+              </a:rPr>
+              <a:t>第三期：</a:t>
+            </a:r>
+            <a:r>
+              <a:rPr dirty="0" smtClean="0">
+                <a:solidFill>
+                  <a:srgbClr val="4D402B"/>
+                </a:solidFill>
+                <a:sym typeface="+mn-ea"/>
+              </a:rPr>
+              <a:t>带你一起实现文档化、组件化、模板化、自动化、监控体系建设》</a:t>
+            </a:r>
+            <a:endParaRPr dirty="0" smtClean="0">
+              <a:solidFill>
+                <a:srgbClr val="4D402B"/>
+              </a:solidFill>
+              <a:sym typeface="+mn-ea"/>
+            </a:endParaRPr>
+          </a:p>
+        </p:txBody>
+      </p:sp>
+      <p:sp>
+        <p:nvSpPr>
+          <p:cNvPr id="3" name="文本框 2"/>
+          <p:cNvSpPr txBox="1"/>
+          <p:nvPr/>
+        </p:nvSpPr>
+        <p:spPr>
+          <a:xfrm>
+            <a:off x="2016760" y="3551555"/>
+            <a:ext cx="4679315" cy="506730"/>
+          </a:xfrm>
+          <a:prstGeom prst="rect">
+            <a:avLst/>
+          </a:prstGeom>
+          <a:noFill/>
+        </p:spPr>
+        <p:txBody>
+          <a:bodyPr wrap="none" rtlCol="0" anchor="t">
+            <a:spAutoFit/>
+          </a:bodyPr>
+          <a:p>
+            <a:pPr marL="285750" indent="-285750" algn="l" fontAlgn="auto">
+              <a:lnSpc>
+                <a:spcPct val="150000"/>
+              </a:lnSpc>
+              <a:buClr>
+                <a:srgbClr val="48A2A0"/>
+              </a:buClr>
+              <a:buFont typeface="Wingdings" panose="05000000000000000000" pitchFamily="2" charset="2"/>
+              <a:buChar char="l"/>
+            </a:pPr>
+            <a:r>
+              <a:rPr lang="zh-CN" dirty="0" smtClean="0">
+                <a:solidFill>
+                  <a:srgbClr val="4D402B"/>
+                </a:solidFill>
+                <a:sym typeface="+mn-ea"/>
+              </a:rPr>
+              <a:t>《第四期：跟我一起研究微前端qiankun》</a:t>
+            </a:r>
+            <a:endParaRPr lang="zh-CN" dirty="0" smtClean="0">
+              <a:solidFill>
+                <a:srgbClr val="4D402B"/>
+              </a:solidFill>
+              <a:sym typeface="+mn-ea"/>
+            </a:endParaRPr>
+          </a:p>
+        </p:txBody>
+      </p:sp>
+      <p:sp>
+        <p:nvSpPr>
+          <p:cNvPr id="6" name="文本框 5"/>
+          <p:cNvSpPr txBox="1"/>
+          <p:nvPr/>
+        </p:nvSpPr>
+        <p:spPr>
+          <a:xfrm>
+            <a:off x="2016760" y="4234815"/>
+            <a:ext cx="5955030" cy="506730"/>
+          </a:xfrm>
+          <a:prstGeom prst="rect">
+            <a:avLst/>
+          </a:prstGeom>
+          <a:noFill/>
+        </p:spPr>
+        <p:txBody>
+          <a:bodyPr wrap="none" rtlCol="0" anchor="t">
+            <a:spAutoFit/>
+          </a:bodyPr>
+          <a:p>
+            <a:pPr marL="285750" indent="-285750" algn="l" fontAlgn="auto">
+              <a:lnSpc>
+                <a:spcPct val="150000"/>
+              </a:lnSpc>
+              <a:buClr>
+                <a:srgbClr val="48A2A0"/>
+              </a:buClr>
+              <a:buFont typeface="Wingdings" panose="05000000000000000000" pitchFamily="2" charset="2"/>
+              <a:buChar char="l"/>
+            </a:pPr>
+            <a:r>
+              <a:rPr lang="zh-CN" dirty="0" smtClean="0">
+                <a:solidFill>
+                  <a:srgbClr val="4D402B"/>
+                </a:solidFill>
+                <a:sym typeface="+mn-ea"/>
+              </a:rPr>
+              <a:t>《第五期：微前端在我们公司的实际项目中如何落地》</a:t>
+            </a:r>
+            <a:endParaRPr lang="zh-CN" dirty="0" smtClean="0">
+              <a:solidFill>
+                <a:srgbClr val="4D402B"/>
+              </a:solidFill>
+              <a:sym typeface="+mn-ea"/>
+            </a:endParaRPr>
+          </a:p>
+        </p:txBody>
+      </p:sp>
+      <p:sp>
+        <p:nvSpPr>
+          <p:cNvPr id="7" name="文本框 6"/>
+          <p:cNvSpPr txBox="1"/>
+          <p:nvPr/>
+        </p:nvSpPr>
+        <p:spPr>
+          <a:xfrm>
+            <a:off x="2016760" y="4914900"/>
+            <a:ext cx="5726430" cy="506730"/>
+          </a:xfrm>
+          <a:prstGeom prst="rect">
+            <a:avLst/>
+          </a:prstGeom>
+          <a:noFill/>
+        </p:spPr>
+        <p:txBody>
+          <a:bodyPr wrap="none" rtlCol="0" anchor="t">
+            <a:spAutoFit/>
+          </a:bodyPr>
+          <a:p>
+            <a:pPr marL="285750" indent="-285750" algn="l" fontAlgn="auto">
+              <a:lnSpc>
+                <a:spcPct val="150000"/>
+              </a:lnSpc>
+              <a:buClr>
+                <a:srgbClr val="48A2A0"/>
+              </a:buClr>
+              <a:buFont typeface="Wingdings" panose="05000000000000000000" pitchFamily="2" charset="2"/>
+              <a:buChar char="l"/>
+            </a:pPr>
+            <a:r>
+              <a:rPr dirty="0" smtClean="0">
+                <a:solidFill>
+                  <a:srgbClr val="4D402B"/>
+                </a:solidFill>
+                <a:sym typeface="+mn-ea"/>
+              </a:rPr>
+              <a:t>《</a:t>
+            </a:r>
+            <a:r>
+              <a:rPr lang="zh-CN" dirty="0" smtClean="0">
+                <a:solidFill>
+                  <a:srgbClr val="4D402B"/>
+                </a:solidFill>
+                <a:sym typeface="+mn-ea"/>
+              </a:rPr>
+              <a:t>第六期：</a:t>
+            </a:r>
+            <a:r>
+              <a:rPr dirty="0" smtClean="0">
+                <a:solidFill>
+                  <a:srgbClr val="4D402B"/>
+                </a:solidFill>
+                <a:sym typeface="+mn-ea"/>
+              </a:rPr>
+              <a:t>最终梳理，看看进入深水区之后怎么办》</a:t>
+            </a:r>
+            <a:endParaRPr dirty="0" smtClean="0">
+              <a:solidFill>
+                <a:srgbClr val="4D402B"/>
+              </a:solidFill>
+              <a:sym typeface="+mn-ea"/>
+            </a:endParaRPr>
+          </a:p>
+        </p:txBody>
+      </p:sp>
+    </p:spTree>
+  </p:cSld>
+  <p:clrMapOvr>
+    <a:masterClrMapping/>
+  </p:clrMapOvr>
+  <p:timing>
+    <p:tnLst>
+      <p:par>
+        <p:cTn id="1" dur="indefinite" restart="never" nodeType="tmRoot"/>
+      </p:par>
+    </p:tnLst>
+  </p:timing>
+</p:sld>
+</file>
+
+<file path=ppt/slides/slide16.xml><?xml version="1.0" encoding="utf-8"?>
 <p:sld xmlns:a="http://schemas.openxmlformats.org/drawingml/2006/main" xmlns:r="http://schemas.openxmlformats.org/officeDocument/2006/relationships" xmlns:p="http://schemas.openxmlformats.org/presentationml/2006/main">
   <p:cSld>
     <p:spTree>
@@ -8215,7 +8584,7 @@
       </p:sp>
       <p:pic>
         <p:nvPicPr>
-          <p:cNvPr id="6" name="图片 5"/>
+          <p:cNvPr id="2" name="图片 1"/>
           <p:cNvPicPr>
             <a:picLocks noChangeAspect="1"/>
           </p:cNvPicPr>
@@ -8233,8 +8602,8 @@
         </p:blipFill>
         <p:spPr>
           <a:xfrm>
-            <a:off x="2409825" y="1518285"/>
-            <a:ext cx="6972300" cy="3495675"/>
+            <a:off x="2609850" y="2290445"/>
+            <a:ext cx="6972300" cy="2276475"/>
           </a:xfrm>
           <a:prstGeom prst="rect">
             <a:avLst/>
@@ -8478,26 +8847,22 @@
       </p:sp>
       <p:pic>
         <p:nvPicPr>
-          <p:cNvPr id="2" name="图片 1"/>
+          <p:cNvPr id="3" name="图片 2"/>
           <p:cNvPicPr>
             <a:picLocks noChangeAspect="1"/>
           </p:cNvPicPr>
-          <p:nvPr>
-            <p:custDataLst>
-              <p:tags r:id="rId1"/>
-            </p:custDataLst>
-          </p:nvPr>
+          <p:nvPr/>
         </p:nvPicPr>
         <p:blipFill>
-          <a:blip r:embed="rId2"/>
+          <a:blip r:embed="rId1"/>
           <a:stretch>
             <a:fillRect/>
           </a:stretch>
         </p:blipFill>
         <p:spPr>
           <a:xfrm>
-            <a:off x="3721735" y="69850"/>
-            <a:ext cx="6636385" cy="6717665"/>
+            <a:off x="2633345" y="2171700"/>
+            <a:ext cx="6924675" cy="2514600"/>
           </a:xfrm>
           <a:prstGeom prst="rect">
             <a:avLst/>
@@ -8641,7 +9006,7 @@
         <p:spPr>
           <a:xfrm>
             <a:off x="1344023" y="400723"/>
-            <a:ext cx="1480820" cy="398780"/>
+            <a:ext cx="1734820" cy="398780"/>
           </a:xfrm>
           <a:prstGeom prst="rect">
             <a:avLst/>
@@ -8673,7 +9038,18 @@
                   </a:schemeClr>
                 </a:solidFill>
               </a:rPr>
-              <a:t>年架构图</a:t>
+              <a:t>年</a:t>
+            </a:r>
+            <a:r>
+              <a:rPr lang="zh-CN" altLang="en-US" sz="2000" b="1" dirty="0">
+                <a:solidFill>
+                  <a:schemeClr val="tx1">
+                    <a:lumMod val="75000"/>
+                    <a:lumOff val="25000"/>
+                  </a:schemeClr>
+                </a:solidFill>
+              </a:rPr>
+              <a:t>前端梯队</a:t>
             </a:r>
             <a:endParaRPr lang="zh-CN" altLang="en-US" sz="2000" b="1" dirty="0">
               <a:solidFill>
@@ -8730,7 +9106,7 @@
       </p:sp>
       <p:pic>
         <p:nvPicPr>
-          <p:cNvPr id="3" name="图片 2"/>
+          <p:cNvPr id="2" name="图片 1"/>
           <p:cNvPicPr>
             <a:picLocks noChangeAspect="1"/>
           </p:cNvPicPr>
@@ -8744,8 +9120,8 @@
         </p:blipFill>
         <p:spPr>
           <a:xfrm>
-            <a:off x="3825875" y="73025"/>
-            <a:ext cx="7592060" cy="6711315"/>
+            <a:off x="2604770" y="2480945"/>
+            <a:ext cx="6981825" cy="1895475"/>
           </a:xfrm>
           <a:prstGeom prst="rect">
             <a:avLst/>
@@ -8889,7 +9265,7 @@
         <p:spPr>
           <a:xfrm>
             <a:off x="1344023" y="400723"/>
-            <a:ext cx="1198880" cy="398780"/>
+            <a:ext cx="1480820" cy="398780"/>
           </a:xfrm>
           <a:prstGeom prst="rect">
             <a:avLst/>
@@ -8902,7 +9278,7 @@
           <a:lstStyle/>
           <a:p>
             <a:r>
-              <a:rPr lang="zh-CN" altLang="en-US" sz="2000" b="1" dirty="0">
+              <a:rPr lang="en-US" altLang="zh-CN" sz="2000" b="1" dirty="0">
                 <a:solidFill>
                   <a:schemeClr val="tx1">
                     <a:lumMod val="75000"/>
@@ -8910,7 +9286,18 @@
                   </a:schemeClr>
                 </a:solidFill>
               </a:rPr>
-              <a:t>技术布局</a:t>
+              <a:t>20</a:t>
+            </a:r>
+            <a:r>
+              <a:rPr lang="zh-CN" altLang="en-US" sz="2000" b="1" dirty="0">
+                <a:solidFill>
+                  <a:schemeClr val="tx1">
+                    <a:lumMod val="75000"/>
+                    <a:lumOff val="25000"/>
+                  </a:schemeClr>
+                </a:solidFill>
+              </a:rPr>
+              <a:t>年架构图</a:t>
             </a:r>
             <a:endParaRPr lang="zh-CN" altLang="en-US" sz="2000" b="1" dirty="0">
               <a:solidFill>
@@ -8965,156 +9352,30 @@
           </a:p>
         </p:txBody>
       </p:sp>
-      <p:sp>
-        <p:nvSpPr>
-          <p:cNvPr id="2" name="文本框 1"/>
-          <p:cNvSpPr txBox="1"/>
-          <p:nvPr/>
-        </p:nvSpPr>
-        <p:spPr>
-          <a:xfrm>
-            <a:off x="2016760" y="1843405"/>
-            <a:ext cx="5497830" cy="506730"/>
-          </a:xfrm>
-          <a:prstGeom prst="rect">
-            <a:avLst/>
-          </a:prstGeom>
-          <a:noFill/>
-        </p:spPr>
-        <p:txBody>
-          <a:bodyPr wrap="none" rtlCol="0" anchor="t">
-            <a:spAutoFit/>
-          </a:bodyPr>
-          <a:p>
-            <a:pPr marL="285750" indent="-285750" fontAlgn="auto">
-              <a:lnSpc>
-                <a:spcPct val="150000"/>
-              </a:lnSpc>
-              <a:buClr>
-                <a:srgbClr val="48A2A0"/>
-              </a:buClr>
-              <a:buFont typeface="Wingdings" panose="05000000000000000000" pitchFamily="2" charset="2"/>
-              <a:buChar char="l"/>
-            </a:pPr>
-            <a:r>
-              <a:rPr lang="zh-CN" dirty="0" smtClean="0">
-                <a:solidFill>
-                  <a:srgbClr val="4D402B"/>
-                </a:solidFill>
-                <a:sym typeface="+mn-ea"/>
-              </a:rPr>
-              <a:t>第一步：统一技术，整合前端组对技术框架的认知</a:t>
-            </a:r>
-            <a:endParaRPr lang="zh-CN" altLang="en-US"/>
-          </a:p>
-        </p:txBody>
-      </p:sp>
-      <p:sp>
-        <p:nvSpPr>
-          <p:cNvPr id="4" name="文本框 3"/>
-          <p:cNvSpPr txBox="1"/>
-          <p:nvPr/>
-        </p:nvSpPr>
-        <p:spPr>
-          <a:xfrm>
-            <a:off x="2016760" y="2839720"/>
-            <a:ext cx="8241030" cy="506730"/>
-          </a:xfrm>
-          <a:prstGeom prst="rect">
-            <a:avLst/>
-          </a:prstGeom>
-          <a:noFill/>
-        </p:spPr>
-        <p:txBody>
-          <a:bodyPr wrap="none" rtlCol="0" anchor="t">
-            <a:spAutoFit/>
-          </a:bodyPr>
-          <a:p>
-            <a:pPr marL="285750" indent="-285750" fontAlgn="auto">
-              <a:lnSpc>
-                <a:spcPct val="150000"/>
-              </a:lnSpc>
-              <a:buClr>
-                <a:srgbClr val="48A2A0"/>
-              </a:buClr>
-              <a:buFont typeface="Wingdings" panose="05000000000000000000" pitchFamily="2" charset="2"/>
-              <a:buChar char="l"/>
-            </a:pPr>
-            <a:r>
-              <a:rPr lang="zh-CN" dirty="0" smtClean="0">
-                <a:solidFill>
-                  <a:srgbClr val="4D402B"/>
-                </a:solidFill>
-                <a:sym typeface="+mn-ea"/>
-              </a:rPr>
-              <a:t>第二步：拓展提效，利用组件化、模板化、自动化节省人力成本，做更多的事</a:t>
-            </a:r>
-            <a:endParaRPr lang="zh-CN" altLang="en-US"/>
-          </a:p>
-        </p:txBody>
-      </p:sp>
-      <p:sp>
-        <p:nvSpPr>
-          <p:cNvPr id="5" name="文本框 4"/>
-          <p:cNvSpPr txBox="1"/>
-          <p:nvPr/>
-        </p:nvSpPr>
-        <p:spPr>
-          <a:xfrm>
-            <a:off x="2016760" y="3829050"/>
-            <a:ext cx="6640830" cy="506730"/>
-          </a:xfrm>
-          <a:prstGeom prst="rect">
-            <a:avLst/>
-          </a:prstGeom>
-          <a:noFill/>
-        </p:spPr>
-        <p:txBody>
-          <a:bodyPr wrap="none" rtlCol="0" anchor="t">
-            <a:spAutoFit/>
-          </a:bodyPr>
-          <a:p>
-            <a:pPr marL="285750" indent="-285750" algn="l" fontAlgn="auto">
-              <a:lnSpc>
-                <a:spcPct val="150000"/>
-              </a:lnSpc>
-              <a:buClr>
-                <a:srgbClr val="48A2A0"/>
-              </a:buClr>
-              <a:buFont typeface="Wingdings" panose="05000000000000000000" pitchFamily="2" charset="2"/>
-              <a:buChar char="l"/>
-            </a:pPr>
-            <a:r>
-              <a:rPr lang="zh-CN" dirty="0" smtClean="0">
-                <a:solidFill>
-                  <a:srgbClr val="4D402B"/>
-                </a:solidFill>
-                <a:sym typeface="+mn-ea"/>
-              </a:rPr>
-              <a:t>第三步：储备技术资源，打开</a:t>
-            </a:r>
-            <a:r>
-              <a:rPr lang="zh-CN" dirty="0" smtClean="0">
-                <a:solidFill>
-                  <a:srgbClr val="4D402B"/>
-                </a:solidFill>
-                <a:sym typeface="+mn-ea"/>
-              </a:rPr>
-              <a:t>眼界</a:t>
-            </a:r>
-            <a:r>
-              <a:rPr lang="zh-CN" dirty="0" smtClean="0">
-                <a:solidFill>
-                  <a:srgbClr val="4D402B"/>
-                </a:solidFill>
-                <a:sym typeface="+mn-ea"/>
-              </a:rPr>
-              <a:t>，想办法打通前后端上下游</a:t>
-            </a:r>
-            <a:endParaRPr lang="zh-CN" altLang="en-US"/>
-          </a:p>
-        </p:txBody>
-      </p:sp>
+      <p:pic>
+        <p:nvPicPr>
+          <p:cNvPr id="3" name="图片 2"/>
+          <p:cNvPicPr>
+            <a:picLocks noChangeAspect="1"/>
+          </p:cNvPicPr>
+          <p:nvPr/>
+        </p:nvPicPr>
+        <p:blipFill>
+          <a:blip r:embed="rId1"/>
+          <a:stretch>
+            <a:fillRect/>
+          </a:stretch>
+        </p:blipFill>
+        <p:spPr>
+          <a:xfrm>
+            <a:off x="3825875" y="73025"/>
+            <a:ext cx="7592060" cy="6711315"/>
+          </a:xfrm>
+          <a:prstGeom prst="rect">
+            <a:avLst/>
+          </a:prstGeom>
+        </p:spPr>
+      </p:pic>
     </p:spTree>
   </p:cSld>
   <p:clrMapOvr>
@@ -9273,7 +9534,7 @@
                   </a:schemeClr>
                 </a:solidFill>
               </a:rPr>
-              <a:t>组员培养</a:t>
+              <a:t>技术布局</a:t>
             </a:r>
             <a:endParaRPr lang="zh-CN" altLang="en-US" sz="2000" b="1" dirty="0">
               <a:solidFill>
@@ -9337,7 +9598,7 @@
         <p:spPr>
           <a:xfrm>
             <a:off x="2016760" y="1843405"/>
-            <a:ext cx="3669030" cy="506730"/>
+            <a:ext cx="5497830" cy="506730"/>
           </a:xfrm>
           <a:prstGeom prst="rect">
             <a:avLst/>
@@ -9366,7 +9627,7 @@
                 </a:solidFill>
                 <a:sym typeface="+mn-ea"/>
               </a:rPr>
-              <a:t>初级：工作内指导、工作外引导</a:t>
+              <a:t>第一步：统一技术，整合前端组对技术框架的认知</a:t>
             </a:r>
             <a:endParaRPr lang="zh-CN" altLang="en-US"/>
           </a:p>
@@ -9381,7 +9642,7 @@
         <p:spPr>
           <a:xfrm>
             <a:off x="2016760" y="2839720"/>
-            <a:ext cx="4583430" cy="506730"/>
+            <a:ext cx="8241030" cy="506730"/>
           </a:xfrm>
           <a:prstGeom prst="rect">
             <a:avLst/>
@@ -9410,7 +9671,7 @@
                 </a:solidFill>
                 <a:sym typeface="+mn-ea"/>
               </a:rPr>
-              <a:t>中级：引导技术深入、培养项目管理能力</a:t>
+              <a:t>第二步：拓展提效，利用组件化、模板化、自动化节省人力成本，做更多的事</a:t>
             </a:r>
             <a:endParaRPr lang="zh-CN" altLang="en-US"/>
           </a:p>
@@ -9425,7 +9686,7 @@
         <p:spPr>
           <a:xfrm>
             <a:off x="2016760" y="3829050"/>
-            <a:ext cx="6164580" cy="506730"/>
+            <a:ext cx="6640830" cy="506730"/>
           </a:xfrm>
           <a:prstGeom prst="rect">
             <a:avLst/>
@@ -9437,7 +9698,7 @@
             <a:spAutoFit/>
           </a:bodyPr>
           <a:p>
-            <a:pPr marL="285750" indent="-285750" fontAlgn="auto">
+            <a:pPr marL="285750" indent="-285750" algn="l" fontAlgn="auto">
               <a:lnSpc>
                 <a:spcPct val="150000"/>
               </a:lnSpc>
@@ -9454,32 +9715,27 @@
                 </a:solidFill>
                 <a:sym typeface="+mn-ea"/>
               </a:rPr>
-              <a:t>高级：技术搭配、指导人员管理经验，达到</a:t>
-            </a:r>
-            <a:r>
-              <a:rPr lang="en-US" altLang="zh-CN" dirty="0" smtClean="0">
+              <a:t>第三步：储备技术资源，打开</a:t>
+            </a:r>
+            <a:r>
+              <a:rPr lang="zh-CN" dirty="0" smtClean="0">
                 <a:solidFill>
                   <a:srgbClr val="4D402B"/>
                 </a:solidFill>
                 <a:sym typeface="+mn-ea"/>
               </a:rPr>
-              <a:t>1+1&gt;2</a:t>
-            </a:r>
-            <a:r>
-              <a:rPr lang="zh-CN" altLang="en-US" dirty="0" smtClean="0">
+              <a:t>眼界</a:t>
+            </a:r>
+            <a:r>
+              <a:rPr lang="zh-CN" dirty="0" smtClean="0">
                 <a:solidFill>
                   <a:srgbClr val="4D402B"/>
                 </a:solidFill>
                 <a:sym typeface="+mn-ea"/>
               </a:rPr>
-              <a:t>的效果</a:t>
-            </a:r>
-            <a:endParaRPr lang="zh-CN" altLang="en-US" dirty="0" smtClean="0">
-              <a:solidFill>
-                <a:srgbClr val="4D402B"/>
-              </a:solidFill>
-              <a:sym typeface="+mn-ea"/>
-            </a:endParaRPr>
+              <a:t>，想办法打通前后端上下游</a:t>
+            </a:r>
+            <a:endParaRPr lang="zh-CN" altLang="en-US"/>
           </a:p>
         </p:txBody>
       </p:sp>
@@ -9509,13 +9765,7 @@
 
 <file path=ppt/tags/tag2.xml><?xml version="1.0" encoding="utf-8"?>
 <p:tagLst xmlns:p="http://schemas.openxmlformats.org/presentationml/2006/main">
-  <p:tag name="KSO_WM_UNIT_PLACING_PICTURE_USER_VIEWPORT" val="{&quot;height&quot;:5505,&quot;width&quot;:10980}"/>
-</p:tagLst>
-</file>
-
-<file path=ppt/tags/tag3.xml><?xml version="1.0" encoding="utf-8"?>
-<p:tagLst xmlns:p="http://schemas.openxmlformats.org/presentationml/2006/main">
-  <p:tag name="KSO_WM_UNIT_PLACING_PICTURE_USER_VIEWPORT" val="{&quot;height&quot;:11175,&quot;width&quot;:11040}"/>
+  <p:tag name="KSO_WM_UNIT_PLACING_PICTURE_USER_VIEWPORT" val="{&quot;height&quot;:3585,&quot;width&quot;:10980}"/>
 </p:tagLst>
 </file>
 
